--- a/Week2/Day1/IntroductiontoAgileDevelopmentProcess.pptx
+++ b/Week2/Day1/IntroductiontoAgileDevelopmentProcess.pptx
@@ -81,10 +81,10 @@
         </a:solidFill>
         <a:effectLst/>
         <a:uFillTx/>
-        <a:latin typeface="+mj-lt"/>
-        <a:ea typeface="+mj-ea"/>
-        <a:cs typeface="+mj-cs"/>
-        <a:sym typeface="Arial"/>
+        <a:latin typeface="+mn-lt"/>
+        <a:ea typeface="+mn-ea"/>
+        <a:cs typeface="+mn-cs"/>
+        <a:sym typeface="Helvetica"/>
       </a:defRPr>
     </a:lvl1pPr>
     <a:lvl2pPr marL="0" marR="0" indent="0" algn="l" defTabSz="914400" rtl="0" fontAlgn="auto" latinLnBrk="0" hangingPunct="0">
@@ -111,10 +111,10 @@
         </a:solidFill>
         <a:effectLst/>
         <a:uFillTx/>
-        <a:latin typeface="+mj-lt"/>
-        <a:ea typeface="+mj-ea"/>
-        <a:cs typeface="+mj-cs"/>
-        <a:sym typeface="Arial"/>
+        <a:latin typeface="+mn-lt"/>
+        <a:ea typeface="+mn-ea"/>
+        <a:cs typeface="+mn-cs"/>
+        <a:sym typeface="Helvetica"/>
       </a:defRPr>
     </a:lvl2pPr>
     <a:lvl3pPr marL="0" marR="0" indent="0" algn="l" defTabSz="914400" rtl="0" fontAlgn="auto" latinLnBrk="0" hangingPunct="0">
@@ -141,10 +141,10 @@
         </a:solidFill>
         <a:effectLst/>
         <a:uFillTx/>
-        <a:latin typeface="+mj-lt"/>
-        <a:ea typeface="+mj-ea"/>
-        <a:cs typeface="+mj-cs"/>
-        <a:sym typeface="Arial"/>
+        <a:latin typeface="+mn-lt"/>
+        <a:ea typeface="+mn-ea"/>
+        <a:cs typeface="+mn-cs"/>
+        <a:sym typeface="Helvetica"/>
       </a:defRPr>
     </a:lvl3pPr>
     <a:lvl4pPr marL="0" marR="0" indent="0" algn="l" defTabSz="914400" rtl="0" fontAlgn="auto" latinLnBrk="0" hangingPunct="0">
@@ -171,10 +171,10 @@
         </a:solidFill>
         <a:effectLst/>
         <a:uFillTx/>
-        <a:latin typeface="+mj-lt"/>
-        <a:ea typeface="+mj-ea"/>
-        <a:cs typeface="+mj-cs"/>
-        <a:sym typeface="Arial"/>
+        <a:latin typeface="+mn-lt"/>
+        <a:ea typeface="+mn-ea"/>
+        <a:cs typeface="+mn-cs"/>
+        <a:sym typeface="Helvetica"/>
       </a:defRPr>
     </a:lvl4pPr>
     <a:lvl5pPr marL="0" marR="0" indent="0" algn="l" defTabSz="914400" rtl="0" fontAlgn="auto" latinLnBrk="0" hangingPunct="0">
@@ -201,10 +201,10 @@
         </a:solidFill>
         <a:effectLst/>
         <a:uFillTx/>
-        <a:latin typeface="+mj-lt"/>
-        <a:ea typeface="+mj-ea"/>
-        <a:cs typeface="+mj-cs"/>
-        <a:sym typeface="Arial"/>
+        <a:latin typeface="+mn-lt"/>
+        <a:ea typeface="+mn-ea"/>
+        <a:cs typeface="+mn-cs"/>
+        <a:sym typeface="Helvetica"/>
       </a:defRPr>
     </a:lvl5pPr>
     <a:lvl6pPr marL="0" marR="0" indent="0" algn="l" defTabSz="914400" rtl="0" fontAlgn="auto" latinLnBrk="0" hangingPunct="0">
@@ -231,10 +231,10 @@
         </a:solidFill>
         <a:effectLst/>
         <a:uFillTx/>
-        <a:latin typeface="+mj-lt"/>
-        <a:ea typeface="+mj-ea"/>
-        <a:cs typeface="+mj-cs"/>
-        <a:sym typeface="Arial"/>
+        <a:latin typeface="+mn-lt"/>
+        <a:ea typeface="+mn-ea"/>
+        <a:cs typeface="+mn-cs"/>
+        <a:sym typeface="Helvetica"/>
       </a:defRPr>
     </a:lvl6pPr>
     <a:lvl7pPr marL="0" marR="0" indent="0" algn="l" defTabSz="914400" rtl="0" fontAlgn="auto" latinLnBrk="0" hangingPunct="0">
@@ -261,10 +261,10 @@
         </a:solidFill>
         <a:effectLst/>
         <a:uFillTx/>
-        <a:latin typeface="+mj-lt"/>
-        <a:ea typeface="+mj-ea"/>
-        <a:cs typeface="+mj-cs"/>
-        <a:sym typeface="Arial"/>
+        <a:latin typeface="+mn-lt"/>
+        <a:ea typeface="+mn-ea"/>
+        <a:cs typeface="+mn-cs"/>
+        <a:sym typeface="Helvetica"/>
       </a:defRPr>
     </a:lvl7pPr>
     <a:lvl8pPr marL="0" marR="0" indent="0" algn="l" defTabSz="914400" rtl="0" fontAlgn="auto" latinLnBrk="0" hangingPunct="0">
@@ -291,10 +291,10 @@
         </a:solidFill>
         <a:effectLst/>
         <a:uFillTx/>
-        <a:latin typeface="+mj-lt"/>
-        <a:ea typeface="+mj-ea"/>
-        <a:cs typeface="+mj-cs"/>
-        <a:sym typeface="Arial"/>
+        <a:latin typeface="+mn-lt"/>
+        <a:ea typeface="+mn-ea"/>
+        <a:cs typeface="+mn-cs"/>
+        <a:sym typeface="Helvetica"/>
       </a:defRPr>
     </a:lvl8pPr>
     <a:lvl9pPr marL="0" marR="0" indent="0" algn="l" defTabSz="914400" rtl="0" fontAlgn="auto" latinLnBrk="0" hangingPunct="0">
@@ -321,10 +321,10 @@
         </a:solidFill>
         <a:effectLst/>
         <a:uFillTx/>
-        <a:latin typeface="+mj-lt"/>
-        <a:ea typeface="+mj-ea"/>
-        <a:cs typeface="+mj-cs"/>
-        <a:sym typeface="Arial"/>
+        <a:latin typeface="+mn-lt"/>
+        <a:ea typeface="+mn-ea"/>
+        <a:cs typeface="+mn-cs"/>
+        <a:sym typeface="Helvetica"/>
       </a:defRPr>
     </a:lvl9pPr>
   </p:defaultTextStyle>
@@ -639,14 +639,13 @@
               <a:lnSpc>
                 <a:spcPct val="125000"/>
               </a:lnSpc>
-              <a:defRPr sz="1100"/>
+              <a:defRPr sz="1100">
+                <a:latin typeface="Montserrat Light"/>
+                <a:ea typeface="Montserrat Light"/>
+                <a:cs typeface="Montserrat Light"/>
+                <a:sym typeface="Montserrat Light"/>
+              </a:defRPr>
             </a:pPr>
-            <a:endParaRPr>
-              <a:latin typeface="Montserrat Light"/>
-              <a:ea typeface="Montserrat Light"/>
-              <a:cs typeface="Montserrat Light"/>
-              <a:sym typeface="Montserrat Light"/>
-            </a:endParaRPr>
           </a:p>
           <a:p>
             <a:pPr algn="just">
@@ -669,14 +668,13 @@
               <a:lnSpc>
                 <a:spcPct val="125000"/>
               </a:lnSpc>
-              <a:defRPr sz="1100"/>
+              <a:defRPr sz="1100">
+                <a:latin typeface="Montserrat Light"/>
+                <a:ea typeface="Montserrat Light"/>
+                <a:cs typeface="Montserrat Light"/>
+                <a:sym typeface="Montserrat Light"/>
+              </a:defRPr>
             </a:pPr>
-            <a:endParaRPr>
-              <a:latin typeface="Montserrat Light"/>
-              <a:ea typeface="Montserrat Light"/>
-              <a:cs typeface="Montserrat Light"/>
-              <a:sym typeface="Montserrat Light"/>
-            </a:endParaRPr>
           </a:p>
           <a:p>
             <a:pPr algn="just">
@@ -779,14 +777,13 @@
               <a:lnSpc>
                 <a:spcPct val="125000"/>
               </a:lnSpc>
-              <a:defRPr sz="1100"/>
+              <a:defRPr sz="1000">
+                <a:latin typeface="Montserrat Light"/>
+                <a:ea typeface="Montserrat Light"/>
+                <a:cs typeface="Montserrat Light"/>
+                <a:sym typeface="Montserrat Light"/>
+              </a:defRPr>
             </a:pPr>
-            <a:endParaRPr sz="1000">
-              <a:latin typeface="Montserrat Light"/>
-              <a:ea typeface="Montserrat Light"/>
-              <a:cs typeface="Montserrat Light"/>
-              <a:sym typeface="Montserrat Light"/>
-            </a:endParaRPr>
           </a:p>
           <a:p>
             <a:pPr algn="just">
@@ -809,14 +806,13 @@
               <a:lnSpc>
                 <a:spcPct val="125000"/>
               </a:lnSpc>
-              <a:defRPr sz="1100"/>
+              <a:defRPr sz="1000">
+                <a:latin typeface="Montserrat Light"/>
+                <a:ea typeface="Montserrat Light"/>
+                <a:cs typeface="Montserrat Light"/>
+                <a:sym typeface="Montserrat Light"/>
+              </a:defRPr>
             </a:pPr>
-            <a:endParaRPr sz="1000">
-              <a:latin typeface="Montserrat Light"/>
-              <a:ea typeface="Montserrat Light"/>
-              <a:cs typeface="Montserrat Light"/>
-              <a:sym typeface="Montserrat Light"/>
-            </a:endParaRPr>
           </a:p>
           <a:p>
             <a:pPr algn="just">
@@ -839,14 +835,13 @@
               <a:lnSpc>
                 <a:spcPct val="125000"/>
               </a:lnSpc>
-              <a:defRPr sz="1100"/>
+              <a:defRPr sz="1000">
+                <a:latin typeface="Montserrat Light"/>
+                <a:ea typeface="Montserrat Light"/>
+                <a:cs typeface="Montserrat Light"/>
+                <a:sym typeface="Montserrat Light"/>
+              </a:defRPr>
             </a:pPr>
-            <a:endParaRPr sz="1000">
-              <a:latin typeface="Montserrat Light"/>
-              <a:ea typeface="Montserrat Light"/>
-              <a:cs typeface="Montserrat Light"/>
-              <a:sym typeface="Montserrat Light"/>
-            </a:endParaRPr>
           </a:p>
           <a:p>
             <a:pPr algn="just">
@@ -869,14 +864,13 @@
               <a:lnSpc>
                 <a:spcPct val="125000"/>
               </a:lnSpc>
-              <a:defRPr sz="1100"/>
+              <a:defRPr sz="1000">
+                <a:latin typeface="Montserrat Light"/>
+                <a:ea typeface="Montserrat Light"/>
+                <a:cs typeface="Montserrat Light"/>
+                <a:sym typeface="Montserrat Light"/>
+              </a:defRPr>
             </a:pPr>
-            <a:endParaRPr sz="1000">
-              <a:latin typeface="Montserrat Light"/>
-              <a:ea typeface="Montserrat Light"/>
-              <a:cs typeface="Montserrat Light"/>
-              <a:sym typeface="Montserrat Light"/>
-            </a:endParaRPr>
           </a:p>
           <a:p>
             <a:pPr algn="just">
@@ -979,14 +973,13 @@
               <a:lnSpc>
                 <a:spcPct val="125000"/>
               </a:lnSpc>
-              <a:defRPr sz="1100"/>
+              <a:defRPr sz="1100">
+                <a:latin typeface="Montserrat Light"/>
+                <a:ea typeface="Montserrat Light"/>
+                <a:cs typeface="Montserrat Light"/>
+                <a:sym typeface="Montserrat Light"/>
+              </a:defRPr>
             </a:pPr>
-            <a:endParaRPr>
-              <a:latin typeface="Montserrat Light"/>
-              <a:ea typeface="Montserrat Light"/>
-              <a:cs typeface="Montserrat Light"/>
-              <a:sym typeface="Montserrat Light"/>
-            </a:endParaRPr>
           </a:p>
           <a:p>
             <a:pPr marL="457200" indent="-298450" algn="just">
@@ -1015,14 +1008,13 @@
               <a:lnSpc>
                 <a:spcPct val="125000"/>
               </a:lnSpc>
-              <a:defRPr sz="1100"/>
+              <a:defRPr sz="1100">
+                <a:latin typeface="Montserrat Light"/>
+                <a:ea typeface="Montserrat Light"/>
+                <a:cs typeface="Montserrat Light"/>
+                <a:sym typeface="Montserrat Light"/>
+              </a:defRPr>
             </a:pPr>
-            <a:endParaRPr>
-              <a:latin typeface="Montserrat Light"/>
-              <a:ea typeface="Montserrat Light"/>
-              <a:cs typeface="Montserrat Light"/>
-              <a:sym typeface="Montserrat Light"/>
-            </a:endParaRPr>
           </a:p>
           <a:p>
             <a:pPr marL="457200" indent="-298450" algn="just">
@@ -1051,14 +1043,13 @@
               <a:lnSpc>
                 <a:spcPct val="125000"/>
               </a:lnSpc>
-              <a:defRPr sz="1100"/>
+              <a:defRPr sz="1100">
+                <a:latin typeface="Montserrat Light"/>
+                <a:ea typeface="Montserrat Light"/>
+                <a:cs typeface="Montserrat Light"/>
+                <a:sym typeface="Montserrat Light"/>
+              </a:defRPr>
             </a:pPr>
-            <a:endParaRPr>
-              <a:latin typeface="Montserrat Light"/>
-              <a:ea typeface="Montserrat Light"/>
-              <a:cs typeface="Montserrat Light"/>
-              <a:sym typeface="Montserrat Light"/>
-            </a:endParaRPr>
           </a:p>
           <a:p>
             <a:pPr marL="457200" indent="-298450" algn="just">
@@ -1151,14 +1142,13 @@
               <a:lnSpc>
                 <a:spcPct val="125000"/>
               </a:lnSpc>
-              <a:defRPr sz="1100"/>
+              <a:defRPr sz="1100">
+                <a:latin typeface="Montserrat Light"/>
+                <a:ea typeface="Montserrat Light"/>
+                <a:cs typeface="Montserrat Light"/>
+                <a:sym typeface="Montserrat Light"/>
+              </a:defRPr>
             </a:pPr>
-            <a:endParaRPr>
-              <a:latin typeface="Montserrat Light"/>
-              <a:ea typeface="Montserrat Light"/>
-              <a:cs typeface="Montserrat Light"/>
-              <a:sym typeface="Montserrat Light"/>
-            </a:endParaRPr>
           </a:p>
           <a:p>
             <a:pPr marL="457200" indent="-298450" algn="just">
@@ -1309,14 +1299,13 @@
               <a:lnSpc>
                 <a:spcPct val="125000"/>
               </a:lnSpc>
-              <a:defRPr sz="1100"/>
+              <a:defRPr sz="1100">
+                <a:latin typeface="Montserrat Light"/>
+                <a:ea typeface="Montserrat Light"/>
+                <a:cs typeface="Montserrat Light"/>
+                <a:sym typeface="Montserrat Light"/>
+              </a:defRPr>
             </a:pPr>
-            <a:endParaRPr>
-              <a:latin typeface="Montserrat Light"/>
-              <a:ea typeface="Montserrat Light"/>
-              <a:cs typeface="Montserrat Light"/>
-              <a:sym typeface="Montserrat Light"/>
-            </a:endParaRPr>
           </a:p>
           <a:p>
             <a:pPr algn="just">
@@ -1422,12 +1411,6 @@
               </a:rPr>
               <a:t>on time, within scope and within budget. </a:t>
             </a:r>
-            <a:endParaRPr b="1">
-              <a:latin typeface="Montserrat"/>
-              <a:ea typeface="Montserrat"/>
-              <a:cs typeface="Montserrat"/>
-              <a:sym typeface="Montserrat"/>
-            </a:endParaRPr>
           </a:p>
         </p:txBody>
       </p:sp>
@@ -1597,14 +1580,13 @@
               <a:lnSpc>
                 <a:spcPct val="125000"/>
               </a:lnSpc>
-              <a:defRPr sz="1100"/>
+              <a:defRPr sz="1100">
+                <a:latin typeface="Montserrat Light"/>
+                <a:ea typeface="Montserrat Light"/>
+                <a:cs typeface="Montserrat Light"/>
+                <a:sym typeface="Montserrat Light"/>
+              </a:defRPr>
             </a:pPr>
-            <a:endParaRPr>
-              <a:latin typeface="Montserrat Light"/>
-              <a:ea typeface="Montserrat Light"/>
-              <a:cs typeface="Montserrat Light"/>
-              <a:sym typeface="Montserrat Light"/>
-            </a:endParaRPr>
           </a:p>
           <a:p>
             <a:pPr algn="just">
@@ -1627,14 +1609,13 @@
               <a:lnSpc>
                 <a:spcPct val="125000"/>
               </a:lnSpc>
-              <a:defRPr sz="1100"/>
+              <a:defRPr sz="1100">
+                <a:latin typeface="Montserrat Light"/>
+                <a:ea typeface="Montserrat Light"/>
+                <a:cs typeface="Montserrat Light"/>
+                <a:sym typeface="Montserrat Light"/>
+              </a:defRPr>
             </a:pPr>
-            <a:endParaRPr>
-              <a:latin typeface="Montserrat Light"/>
-              <a:ea typeface="Montserrat Light"/>
-              <a:cs typeface="Montserrat Light"/>
-              <a:sym typeface="Montserrat Light"/>
-            </a:endParaRPr>
           </a:p>
           <a:p>
             <a:pPr algn="just">
@@ -2004,14 +1985,13 @@
               <a:lnSpc>
                 <a:spcPct val="125000"/>
               </a:lnSpc>
-              <a:defRPr sz="1100"/>
+              <a:defRPr sz="1100">
+                <a:latin typeface="Montserrat Light"/>
+                <a:ea typeface="Montserrat Light"/>
+                <a:cs typeface="Montserrat Light"/>
+                <a:sym typeface="Montserrat Light"/>
+              </a:defRPr>
             </a:pPr>
-            <a:endParaRPr>
-              <a:latin typeface="Montserrat Light"/>
-              <a:ea typeface="Montserrat Light"/>
-              <a:cs typeface="Montserrat Light"/>
-              <a:sym typeface="Montserrat Light"/>
-            </a:endParaRPr>
           </a:p>
           <a:p>
             <a:pPr marL="457200" indent="-298450" algn="just">
@@ -2055,14 +2035,13 @@
               <a:lnSpc>
                 <a:spcPct val="125000"/>
               </a:lnSpc>
-              <a:defRPr sz="1100"/>
+              <a:defRPr sz="1100">
+                <a:latin typeface="Montserrat Light"/>
+                <a:ea typeface="Montserrat Light"/>
+                <a:cs typeface="Montserrat Light"/>
+                <a:sym typeface="Montserrat Light"/>
+              </a:defRPr>
             </a:pPr>
-            <a:endParaRPr>
-              <a:latin typeface="Montserrat Light"/>
-              <a:ea typeface="Montserrat Light"/>
-              <a:cs typeface="Montserrat Light"/>
-              <a:sym typeface="Montserrat Light"/>
-            </a:endParaRPr>
           </a:p>
           <a:p>
             <a:pPr marL="457200" indent="-298450" algn="just">
@@ -2106,14 +2085,13 @@
               <a:lnSpc>
                 <a:spcPct val="125000"/>
               </a:lnSpc>
-              <a:defRPr sz="1100"/>
+              <a:defRPr sz="1100">
+                <a:latin typeface="Montserrat Light"/>
+                <a:ea typeface="Montserrat Light"/>
+                <a:cs typeface="Montserrat Light"/>
+                <a:sym typeface="Montserrat Light"/>
+              </a:defRPr>
             </a:pPr>
-            <a:endParaRPr>
-              <a:latin typeface="Montserrat Light"/>
-              <a:ea typeface="Montserrat Light"/>
-              <a:cs typeface="Montserrat Light"/>
-              <a:sym typeface="Montserrat Light"/>
-            </a:endParaRPr>
           </a:p>
           <a:p>
             <a:pPr marL="457200" indent="-298450" algn="just">
@@ -2157,14 +2135,13 @@
               <a:lnSpc>
                 <a:spcPct val="125000"/>
               </a:lnSpc>
-              <a:defRPr sz="1100"/>
+              <a:defRPr sz="1100">
+                <a:latin typeface="Montserrat Light"/>
+                <a:ea typeface="Montserrat Light"/>
+                <a:cs typeface="Montserrat Light"/>
+                <a:sym typeface="Montserrat Light"/>
+              </a:defRPr>
             </a:pPr>
-            <a:endParaRPr>
-              <a:latin typeface="Montserrat Light"/>
-              <a:ea typeface="Montserrat Light"/>
-              <a:cs typeface="Montserrat Light"/>
-              <a:sym typeface="Montserrat Light"/>
-            </a:endParaRPr>
           </a:p>
           <a:p>
             <a:pPr marL="457200" indent="-298450" algn="just">
@@ -2208,28 +2185,13 @@
               <a:lnSpc>
                 <a:spcPct val="125000"/>
               </a:lnSpc>
-              <a:defRPr sz="1100"/>
+              <a:defRPr sz="1100">
+                <a:latin typeface="Montserrat Light"/>
+                <a:ea typeface="Montserrat Light"/>
+                <a:cs typeface="Montserrat Light"/>
+                <a:sym typeface="Montserrat Light"/>
+              </a:defRPr>
             </a:pPr>
-            <a:endParaRPr>
-              <a:latin typeface="Montserrat Light"/>
-              <a:ea typeface="Montserrat Light"/>
-              <a:cs typeface="Montserrat Light"/>
-              <a:sym typeface="Montserrat Light"/>
-            </a:endParaRPr>
-          </a:p>
-          <a:p>
-            <a:pPr algn="just">
-              <a:lnSpc>
-                <a:spcPct val="125000"/>
-              </a:lnSpc>
-              <a:defRPr sz="1100"/>
-            </a:pPr>
-            <a:endParaRPr>
-              <a:latin typeface="Montserrat Light"/>
-              <a:ea typeface="Montserrat Light"/>
-              <a:cs typeface="Montserrat Light"/>
-              <a:sym typeface="Montserrat Light"/>
-            </a:endParaRPr>
           </a:p>
         </p:txBody>
       </p:sp>
@@ -2266,10 +2228,10 @@
         </p:nvGrpSpPr>
         <p:grpSpPr>
           <a:xfrm>
-            <a:off x="-1" y="-6351"/>
-            <a:ext cx="9144001" cy="5149851"/>
+            <a:off x="-2" y="-6352"/>
+            <a:ext cx="9144003" cy="5149853"/>
             <a:chOff x="0" y="0"/>
-            <a:chExt cx="9144000" cy="5149850"/>
+            <a:chExt cx="9144001" cy="5149852"/>
           </a:xfrm>
         </p:grpSpPr>
         <p:sp>
@@ -2280,8 +2242,8 @@
           </p:nvSpPr>
           <p:spPr>
             <a:xfrm>
-              <a:off x="7028258" y="6350"/>
-              <a:ext cx="914401" cy="5143500"/>
+              <a:off x="7028258" y="6349"/>
+              <a:ext cx="914402" cy="5143502"/>
             </a:xfrm>
             <a:prstGeom prst="line">
               <a:avLst/>
@@ -2297,7 +2259,7 @@
             <a:effectLst/>
           </p:spPr>
           <p:txBody>
-            <a:bodyPr wrap="square" lIns="0" tIns="0" rIns="0" bIns="0" numCol="1" anchor="t">
+            <a:bodyPr wrap="square" lIns="45718" tIns="45718" rIns="45718" bIns="45718" numCol="1" anchor="t">
               <a:noAutofit/>
             </a:bodyPr>
             <a:lstStyle/>
@@ -2315,7 +2277,7 @@
           <p:spPr>
             <a:xfrm flipH="1">
               <a:off x="5568950" y="2767409"/>
-              <a:ext cx="3572669" cy="2382441"/>
+              <a:ext cx="3572671" cy="2382442"/>
             </a:xfrm>
             <a:prstGeom prst="line">
               <a:avLst/>
@@ -2331,7 +2293,7 @@
             <a:effectLst/>
           </p:spPr>
           <p:txBody>
-            <a:bodyPr wrap="square" lIns="0" tIns="0" rIns="0" bIns="0" numCol="1" anchor="t">
+            <a:bodyPr wrap="square" lIns="45718" tIns="45718" rIns="45718" bIns="45718" numCol="1" anchor="t">
               <a:noAutofit/>
             </a:bodyPr>
             <a:lstStyle/>
@@ -2349,7 +2311,7 @@
           <p:spPr>
             <a:xfrm>
               <a:off x="6886106" y="-1"/>
-              <a:ext cx="2255513" cy="5149851"/>
+              <a:ext cx="2255514" cy="5149853"/>
             </a:xfrm>
             <a:custGeom>
               <a:avLst/>
@@ -2408,7 +2370,14 @@
             </a:bodyPr>
             <a:lstStyle/>
             <a:p>
-              <a:pPr/>
+              <a:pPr>
+                <a:defRPr>
+                  <a:latin typeface="+mj-lt"/>
+                  <a:ea typeface="+mj-ea"/>
+                  <a:cs typeface="+mj-cs"/>
+                  <a:sym typeface="Arial"/>
+                </a:defRPr>
+              </a:pPr>
             </a:p>
           </p:txBody>
         </p:sp>
@@ -2421,7 +2390,7 @@
           <p:spPr>
             <a:xfrm>
               <a:off x="7202581" y="-1"/>
-              <a:ext cx="1941419" cy="5149851"/>
+              <a:ext cx="1941420" cy="5149853"/>
             </a:xfrm>
             <a:custGeom>
               <a:avLst/>
@@ -2480,7 +2449,14 @@
             </a:bodyPr>
             <a:lstStyle/>
             <a:p>
-              <a:pPr/>
+              <a:pPr>
+                <a:defRPr>
+                  <a:latin typeface="+mj-lt"/>
+                  <a:ea typeface="+mj-ea"/>
+                  <a:cs typeface="+mj-cs"/>
+                  <a:sym typeface="Arial"/>
+                </a:defRPr>
+              </a:pPr>
             </a:p>
           </p:txBody>
         </p:sp>
@@ -2493,7 +2469,7 @@
           <p:spPr>
             <a:xfrm>
               <a:off x="6699249" y="2292350"/>
-              <a:ext cx="2444751" cy="2857500"/>
+              <a:ext cx="2444752" cy="2857501"/>
             </a:xfrm>
             <a:custGeom>
               <a:avLst/>
@@ -2546,7 +2522,14 @@
             </a:bodyPr>
             <a:lstStyle/>
             <a:p>
-              <a:pPr/>
+              <a:pPr>
+                <a:defRPr>
+                  <a:latin typeface="+mj-lt"/>
+                  <a:ea typeface="+mj-ea"/>
+                  <a:cs typeface="+mj-cs"/>
+                  <a:sym typeface="Arial"/>
+                </a:defRPr>
+              </a:pPr>
             </a:p>
           </p:txBody>
         </p:sp>
@@ -2559,7 +2542,7 @@
           <p:spPr>
             <a:xfrm>
               <a:off x="7000874" y="-1"/>
-              <a:ext cx="2140746" cy="5149851"/>
+              <a:ext cx="2140748" cy="5149853"/>
             </a:xfrm>
             <a:custGeom>
               <a:avLst/>
@@ -2618,7 +2601,14 @@
             </a:bodyPr>
             <a:lstStyle/>
             <a:p>
-              <a:pPr/>
+              <a:pPr>
+                <a:defRPr>
+                  <a:latin typeface="+mj-lt"/>
+                  <a:ea typeface="+mj-ea"/>
+                  <a:cs typeface="+mj-cs"/>
+                  <a:sym typeface="Arial"/>
+                </a:defRPr>
+              </a:pPr>
             </a:p>
           </p:txBody>
         </p:sp>
@@ -2631,7 +2621,7 @@
           <p:spPr>
             <a:xfrm>
               <a:off x="8174047" y="-1"/>
-              <a:ext cx="967571" cy="5149851"/>
+              <a:ext cx="967572" cy="5149853"/>
             </a:xfrm>
             <a:custGeom>
               <a:avLst/>
@@ -2690,7 +2680,14 @@
             </a:bodyPr>
             <a:lstStyle/>
             <a:p>
-              <a:pPr/>
+              <a:pPr>
+                <a:defRPr>
+                  <a:latin typeface="+mj-lt"/>
+                  <a:ea typeface="+mj-ea"/>
+                  <a:cs typeface="+mj-cs"/>
+                  <a:sym typeface="Arial"/>
+                </a:defRPr>
+              </a:pPr>
             </a:p>
           </p:txBody>
         </p:sp>
@@ -2703,7 +2700,7 @@
           <p:spPr>
             <a:xfrm>
               <a:off x="8204249" y="-1"/>
-              <a:ext cx="937369" cy="5149851"/>
+              <a:ext cx="937370" cy="5149853"/>
             </a:xfrm>
             <a:custGeom>
               <a:avLst/>
@@ -2762,7 +2759,14 @@
             </a:bodyPr>
             <a:lstStyle/>
             <a:p>
-              <a:pPr/>
+              <a:pPr>
+                <a:defRPr>
+                  <a:latin typeface="+mj-lt"/>
+                  <a:ea typeface="+mj-ea"/>
+                  <a:cs typeface="+mj-cs"/>
+                  <a:sym typeface="Arial"/>
+                </a:defRPr>
+              </a:pPr>
             </a:p>
           </p:txBody>
         </p:sp>
@@ -2775,7 +2779,7 @@
           <p:spPr>
             <a:xfrm>
               <a:off x="7778749" y="2698750"/>
-              <a:ext cx="1362870" cy="2451100"/>
+              <a:ext cx="1362871" cy="2451102"/>
             </a:xfrm>
             <a:custGeom>
               <a:avLst/>
@@ -2828,7 +2832,14 @@
             </a:bodyPr>
             <a:lstStyle/>
             <a:p>
-              <a:pPr/>
+              <a:pPr>
+                <a:defRPr>
+                  <a:latin typeface="+mj-lt"/>
+                  <a:ea typeface="+mj-ea"/>
+                  <a:cs typeface="+mj-cs"/>
+                  <a:sym typeface="Arial"/>
+                </a:defRPr>
+              </a:pPr>
             </a:p>
           </p:txBody>
         </p:sp>
@@ -2840,8 +2851,8 @@
           </p:nvSpPr>
           <p:spPr>
             <a:xfrm rot="10800000">
-              <a:off x="0" y="6350"/>
-              <a:ext cx="631948" cy="4249616"/>
+              <a:off x="-1" y="6349"/>
+              <a:ext cx="631949" cy="4249618"/>
             </a:xfrm>
             <a:custGeom>
               <a:avLst/>
@@ -2894,7 +2905,14 @@
             </a:bodyPr>
             <a:lstStyle/>
             <a:p>
-              <a:pPr/>
+              <a:pPr>
+                <a:defRPr>
+                  <a:latin typeface="+mj-lt"/>
+                  <a:ea typeface="+mj-ea"/>
+                  <a:cs typeface="+mj-cs"/>
+                  <a:sym typeface="Arial"/>
+                </a:defRPr>
+              </a:pPr>
             </a:p>
           </p:txBody>
         </p:sp>
@@ -2951,7 +2969,7 @@
         <p:txBody>
           <a:bodyPr lIns="45699" tIns="45699" rIns="45699" bIns="45699"/>
           <a:lstStyle>
-            <a:lvl1pPr marL="297179" indent="-137159" algn="r">
+            <a:lvl1pPr marL="137158" indent="22861" algn="r">
               <a:spcBef>
                 <a:spcPts val="700"/>
               </a:spcBef>
@@ -2965,7 +2983,7 @@
                 </a:solidFill>
               </a:defRPr>
             </a:lvl1pPr>
-            <a:lvl2pPr marL="297179" indent="327660" algn="r">
+            <a:lvl2pPr marL="137158" indent="160020" algn="r">
               <a:spcBef>
                 <a:spcPts val="700"/>
               </a:spcBef>
@@ -2979,7 +2997,7 @@
                 </a:solidFill>
               </a:defRPr>
             </a:lvl2pPr>
-            <a:lvl3pPr marL="297179" indent="792480" algn="r">
+            <a:lvl3pPr marL="137158" indent="160020" algn="r">
               <a:spcBef>
                 <a:spcPts val="700"/>
               </a:spcBef>
@@ -2993,7 +3011,7 @@
                 </a:solidFill>
               </a:defRPr>
             </a:lvl3pPr>
-            <a:lvl4pPr marL="297179" indent="1257300" algn="r">
+            <a:lvl4pPr marL="137158" indent="160020" algn="r">
               <a:spcBef>
                 <a:spcPts val="700"/>
               </a:spcBef>
@@ -3007,7 +3025,7 @@
                 </a:solidFill>
               </a:defRPr>
             </a:lvl4pPr>
-            <a:lvl5pPr marL="297179" indent="1714500" algn="r">
+            <a:lvl5pPr marL="137158" indent="160020" algn="r">
               <a:spcBef>
                 <a:spcPts val="700"/>
               </a:spcBef>
@@ -3064,8 +3082,8 @@
         </p:nvSpPr>
         <p:spPr>
           <a:xfrm>
-            <a:off x="6771481" y="4577793"/>
-            <a:ext cx="184021" cy="180301"/>
+            <a:off x="6771483" y="4577794"/>
+            <a:ext cx="184020" cy="180299"/>
           </a:xfrm>
           <a:prstGeom prst="rect">
             <a:avLst/>
@@ -3149,7 +3167,7 @@
         <p:spPr>
           <a:xfrm>
             <a:off x="508001" y="457200"/>
-            <a:ext cx="6447502" cy="2884290"/>
+            <a:ext cx="6447503" cy="2884291"/>
           </a:xfrm>
           <a:prstGeom prst="rect">
             <a:avLst/>
@@ -3176,7 +3194,7 @@
         <p:spPr>
           <a:xfrm>
             <a:off x="508001" y="4025503"/>
-            <a:ext cx="6447500" cy="505519"/>
+            <a:ext cx="6447500" cy="505520"/>
           </a:xfrm>
           <a:prstGeom prst="rect">
             <a:avLst/>
@@ -3185,7 +3203,7 @@
         <p:txBody>
           <a:bodyPr lIns="45699" tIns="45699" rIns="45699" bIns="45699"/>
           <a:lstStyle>
-            <a:lvl1pPr marL="228600" indent="0">
+            <a:lvl1pPr marL="0" indent="228600">
               <a:spcBef>
                 <a:spcPts val="700"/>
               </a:spcBef>
@@ -3195,7 +3213,7 @@
               <a:buNone/>
               <a:defRPr sz="900"/>
             </a:lvl1pPr>
-            <a:lvl2pPr marL="228600" indent="457200">
+            <a:lvl2pPr marL="0" indent="228600">
               <a:spcBef>
                 <a:spcPts val="700"/>
               </a:spcBef>
@@ -3205,7 +3223,7 @@
               <a:buNone/>
               <a:defRPr sz="900"/>
             </a:lvl2pPr>
-            <a:lvl3pPr marL="228600" indent="914400">
+            <a:lvl3pPr marL="0" indent="228600">
               <a:spcBef>
                 <a:spcPts val="700"/>
               </a:spcBef>
@@ -3215,7 +3233,7 @@
               <a:buNone/>
               <a:defRPr sz="900"/>
             </a:lvl3pPr>
-            <a:lvl4pPr marL="228600" indent="1371600">
+            <a:lvl4pPr marL="0" indent="228600">
               <a:spcBef>
                 <a:spcPts val="700"/>
               </a:spcBef>
@@ -3225,7 +3243,7 @@
               <a:buNone/>
               <a:defRPr sz="900"/>
             </a:lvl4pPr>
-            <a:lvl5pPr marL="228600" indent="1828800">
+            <a:lvl5pPr marL="0" indent="228600">
               <a:spcBef>
                 <a:spcPts val="700"/>
               </a:spcBef>
@@ -3278,8 +3296,8 @@
         </p:nvSpPr>
         <p:spPr>
           <a:xfrm>
-            <a:off x="6771481" y="4577793"/>
-            <a:ext cx="184021" cy="180301"/>
+            <a:off x="6771483" y="4577794"/>
+            <a:ext cx="184020" cy="180299"/>
           </a:xfrm>
           <a:prstGeom prst="rect">
             <a:avLst/>
@@ -3331,7 +3349,7 @@
         <p:spPr>
           <a:xfrm>
             <a:off x="508001" y="457200"/>
-            <a:ext cx="6447502" cy="2552700"/>
+            <a:ext cx="6447503" cy="2552700"/>
           </a:xfrm>
           <a:prstGeom prst="rect">
             <a:avLst/>
@@ -3363,7 +3381,7 @@
         <p:spPr>
           <a:xfrm>
             <a:off x="508001" y="3352800"/>
-            <a:ext cx="6447502" cy="1178222"/>
+            <a:ext cx="6447503" cy="1178222"/>
           </a:xfrm>
           <a:prstGeom prst="rect">
             <a:avLst/>
@@ -3372,7 +3390,7 @@
         <p:txBody>
           <a:bodyPr lIns="45699" tIns="45699" rIns="45699" bIns="45699" anchor="ctr"/>
           <a:lstStyle>
-            <a:lvl1pPr marL="228600" indent="0">
+            <a:lvl1pPr marL="0" indent="228600">
               <a:spcBef>
                 <a:spcPts val="700"/>
               </a:spcBef>
@@ -3381,7 +3399,7 @@
               <a:buFontTx/>
               <a:buNone/>
             </a:lvl1pPr>
-            <a:lvl2pPr marL="228600" indent="457200">
+            <a:lvl2pPr marL="0" indent="228600">
               <a:spcBef>
                 <a:spcPts val="700"/>
               </a:spcBef>
@@ -3390,7 +3408,7 @@
               <a:buFontTx/>
               <a:buNone/>
             </a:lvl2pPr>
-            <a:lvl3pPr marL="228600" indent="914400">
+            <a:lvl3pPr marL="0" indent="228600">
               <a:spcBef>
                 <a:spcPts val="700"/>
               </a:spcBef>
@@ -3399,7 +3417,7 @@
               <a:buFontTx/>
               <a:buNone/>
             </a:lvl3pPr>
-            <a:lvl4pPr marL="228600" indent="1371600">
+            <a:lvl4pPr marL="0" indent="228600">
               <a:spcBef>
                 <a:spcPts val="700"/>
               </a:spcBef>
@@ -3408,7 +3426,7 @@
               <a:buFontTx/>
               <a:buNone/>
             </a:lvl4pPr>
-            <a:lvl5pPr marL="228600" indent="1828800">
+            <a:lvl5pPr marL="0" indent="228600">
               <a:spcBef>
                 <a:spcPts val="700"/>
               </a:spcBef>
@@ -3460,8 +3478,8 @@
         </p:nvSpPr>
         <p:spPr>
           <a:xfrm>
-            <a:off x="6771481" y="4577793"/>
-            <a:ext cx="184021" cy="180301"/>
+            <a:off x="6771483" y="4577794"/>
+            <a:ext cx="184020" cy="180299"/>
           </a:xfrm>
           <a:prstGeom prst="rect">
             <a:avLst/>
@@ -3554,7 +3572,7 @@
         <p:txBody>
           <a:bodyPr lIns="45699" tIns="45699" rIns="45699" bIns="45699" anchor="ctr"/>
           <a:lstStyle>
-            <a:lvl1pPr marL="228600" indent="0">
+            <a:lvl1pPr marL="0" indent="228600">
               <a:spcBef>
                 <a:spcPts val="700"/>
               </a:spcBef>
@@ -3568,7 +3586,7 @@
                 </a:solidFill>
               </a:defRPr>
             </a:lvl1pPr>
-            <a:lvl2pPr marL="228600" indent="457200">
+            <a:lvl2pPr marL="0" indent="228600">
               <a:spcBef>
                 <a:spcPts val="700"/>
               </a:spcBef>
@@ -3582,7 +3600,7 @@
                 </a:solidFill>
               </a:defRPr>
             </a:lvl2pPr>
-            <a:lvl3pPr marL="228600" indent="914400">
+            <a:lvl3pPr marL="0" indent="228600">
               <a:spcBef>
                 <a:spcPts val="700"/>
               </a:spcBef>
@@ -3596,7 +3614,7 @@
                 </a:solidFill>
               </a:defRPr>
             </a:lvl3pPr>
-            <a:lvl4pPr marL="228600" indent="1371600">
+            <a:lvl4pPr marL="0" indent="228600">
               <a:spcBef>
                 <a:spcPts val="700"/>
               </a:spcBef>
@@ -3610,7 +3628,7 @@
                 </a:solidFill>
               </a:defRPr>
             </a:lvl4pPr>
-            <a:lvl5pPr marL="228600" indent="1828800">
+            <a:lvl5pPr marL="0" indent="228600">
               <a:spcBef>
                 <a:spcPts val="700"/>
               </a:spcBef>
@@ -3667,8 +3685,8 @@
         </p:nvSpPr>
         <p:spPr>
           <a:xfrm>
-            <a:off x="508001" y="3352800"/>
-            <a:ext cx="6447502" cy="1178222"/>
+            <a:off x="508000" y="3352800"/>
+            <a:ext cx="6447504" cy="1178222"/>
           </a:xfrm>
           <a:prstGeom prst="rect">
             <a:avLst/>
@@ -3678,15 +3696,7 @@
           <a:bodyPr lIns="45699" tIns="45699" rIns="45699" bIns="45699" anchor="ctr"/>
           <a:lstStyle/>
           <a:p>
-            <a:pPr marL="228600" indent="0">
-              <a:spcBef>
-                <a:spcPts val="700"/>
-              </a:spcBef>
-              <a:buClrTx/>
-              <a:buSzTx/>
-              <a:buFontTx/>
-              <a:buNone/>
-            </a:pPr>
+            <a:pPr/>
           </a:p>
         </p:txBody>
       </p:sp>
@@ -3698,8 +3708,8 @@
         </p:nvSpPr>
         <p:spPr>
           <a:xfrm>
-            <a:off x="440703" y="352114"/>
-            <a:ext cx="388601" cy="919922"/>
+            <a:off x="440702" y="352113"/>
+            <a:ext cx="388603" cy="919923"/>
           </a:xfrm>
           <a:prstGeom prst="rect">
             <a:avLst/>
@@ -3723,6 +3733,10 @@
                 <a:solidFill>
                   <a:srgbClr val="BFE471"/>
                 </a:solidFill>
+                <a:latin typeface="+mj-lt"/>
+                <a:ea typeface="+mj-ea"/>
+                <a:cs typeface="+mj-cs"/>
+                <a:sym typeface="Arial"/>
               </a:defRPr>
             </a:lvl1pPr>
           </a:lstStyle>
@@ -3743,7 +3757,7 @@
         <p:spPr>
           <a:xfrm>
             <a:off x="6704058" y="1924247"/>
-            <a:ext cx="388601" cy="919922"/>
+            <a:ext cx="388602" cy="919922"/>
           </a:xfrm>
           <a:prstGeom prst="rect">
             <a:avLst/>
@@ -3767,6 +3781,10 @@
                 <a:solidFill>
                   <a:srgbClr val="BFE471"/>
                 </a:solidFill>
+                <a:latin typeface="+mj-lt"/>
+                <a:ea typeface="+mj-ea"/>
+                <a:cs typeface="+mj-cs"/>
+                <a:sym typeface="Arial"/>
               </a:defRPr>
             </a:lvl1pPr>
           </a:lstStyle>
@@ -3788,8 +3806,8 @@
         </p:nvSpPr>
         <p:spPr>
           <a:xfrm>
-            <a:off x="6771481" y="4577793"/>
-            <a:ext cx="184021" cy="180301"/>
+            <a:off x="6771483" y="4577794"/>
+            <a:ext cx="184020" cy="180299"/>
           </a:xfrm>
           <a:prstGeom prst="rect">
             <a:avLst/>
@@ -3841,7 +3859,7 @@
         <p:spPr>
           <a:xfrm>
             <a:off x="508001" y="1448991"/>
-            <a:ext cx="6447502" cy="1946595"/>
+            <a:ext cx="6447503" cy="1946595"/>
           </a:xfrm>
           <a:prstGeom prst="rect">
             <a:avLst/>
@@ -3873,7 +3891,7 @@
         <p:spPr>
           <a:xfrm>
             <a:off x="508001" y="3395586"/>
-            <a:ext cx="6447502" cy="1135437"/>
+            <a:ext cx="6447503" cy="1135438"/>
           </a:xfrm>
           <a:prstGeom prst="rect">
             <a:avLst/>
@@ -3882,7 +3900,7 @@
         <p:txBody>
           <a:bodyPr lIns="45699" tIns="45699" rIns="45699" bIns="45699"/>
           <a:lstStyle>
-            <a:lvl1pPr marL="228600" indent="0">
+            <a:lvl1pPr marL="0" indent="228600">
               <a:spcBef>
                 <a:spcPts val="700"/>
               </a:spcBef>
@@ -3891,7 +3909,7 @@
               <a:buFontTx/>
               <a:buNone/>
             </a:lvl1pPr>
-            <a:lvl2pPr marL="228600" indent="457200">
+            <a:lvl2pPr marL="0" indent="228600">
               <a:spcBef>
                 <a:spcPts val="700"/>
               </a:spcBef>
@@ -3900,7 +3918,7 @@
               <a:buFontTx/>
               <a:buNone/>
             </a:lvl2pPr>
-            <a:lvl3pPr marL="228600" indent="914400">
+            <a:lvl3pPr marL="0" indent="228600">
               <a:spcBef>
                 <a:spcPts val="700"/>
               </a:spcBef>
@@ -3909,7 +3927,7 @@
               <a:buFontTx/>
               <a:buNone/>
             </a:lvl3pPr>
-            <a:lvl4pPr marL="228600" indent="1371600">
+            <a:lvl4pPr marL="0" indent="228600">
               <a:spcBef>
                 <a:spcPts val="700"/>
               </a:spcBef>
@@ -3918,7 +3936,7 @@
               <a:buFontTx/>
               <a:buNone/>
             </a:lvl4pPr>
-            <a:lvl5pPr marL="228600" indent="1828800">
+            <a:lvl5pPr marL="0" indent="228600">
               <a:spcBef>
                 <a:spcPts val="700"/>
               </a:spcBef>
@@ -3970,8 +3988,8 @@
         </p:nvSpPr>
         <p:spPr>
           <a:xfrm>
-            <a:off x="6771481" y="4577793"/>
-            <a:ext cx="184021" cy="180301"/>
+            <a:off x="6771483" y="4577794"/>
+            <a:ext cx="184020" cy="180299"/>
           </a:xfrm>
           <a:prstGeom prst="rect">
             <a:avLst/>
@@ -4055,7 +4073,7 @@
         <p:spPr>
           <a:xfrm>
             <a:off x="507998" y="3009900"/>
-            <a:ext cx="6447504" cy="385687"/>
+            <a:ext cx="6447505" cy="385687"/>
           </a:xfrm>
           <a:prstGeom prst="rect">
             <a:avLst/>
@@ -4064,7 +4082,7 @@
         <p:txBody>
           <a:bodyPr lIns="45699" tIns="45699" rIns="45699" bIns="45699" anchor="b"/>
           <a:lstStyle>
-            <a:lvl1pPr marL="228600" indent="0">
+            <a:lvl1pPr marL="0" indent="228600">
               <a:spcBef>
                 <a:spcPts val="700"/>
               </a:spcBef>
@@ -4074,7 +4092,7 @@
               <a:buNone/>
               <a:defRPr sz="1800"/>
             </a:lvl1pPr>
-            <a:lvl2pPr marL="228600" indent="457200">
+            <a:lvl2pPr marL="0" indent="228600">
               <a:spcBef>
                 <a:spcPts val="700"/>
               </a:spcBef>
@@ -4084,7 +4102,7 @@
               <a:buNone/>
               <a:defRPr sz="1800"/>
             </a:lvl2pPr>
-            <a:lvl3pPr marL="228600" indent="914400">
+            <a:lvl3pPr marL="0" indent="228600">
               <a:spcBef>
                 <a:spcPts val="700"/>
               </a:spcBef>
@@ -4094,7 +4112,7 @@
               <a:buNone/>
               <a:defRPr sz="1800"/>
             </a:lvl3pPr>
-            <a:lvl4pPr marL="228600" indent="1371600">
+            <a:lvl4pPr marL="0" indent="228600">
               <a:spcBef>
                 <a:spcPts val="700"/>
               </a:spcBef>
@@ -4104,7 +4122,7 @@
               <a:buNone/>
               <a:defRPr sz="1800"/>
             </a:lvl4pPr>
-            <a:lvl5pPr marL="228600" indent="1828800">
+            <a:lvl5pPr marL="0" indent="228600">
               <a:spcBef>
                 <a:spcPts val="700"/>
               </a:spcBef>
@@ -4157,8 +4175,8 @@
         </p:nvSpPr>
         <p:spPr>
           <a:xfrm>
-            <a:off x="508001" y="3395586"/>
-            <a:ext cx="6447502" cy="1135437"/>
+            <a:off x="508000" y="3395586"/>
+            <a:ext cx="6447504" cy="1135438"/>
           </a:xfrm>
           <a:prstGeom prst="rect">
             <a:avLst/>
@@ -4168,20 +4186,7 @@
           <a:bodyPr lIns="45699" tIns="45699" rIns="45699" bIns="45699"/>
           <a:lstStyle/>
           <a:p>
-            <a:pPr marL="228600" indent="0">
-              <a:spcBef>
-                <a:spcPts val="700"/>
-              </a:spcBef>
-              <a:buClrTx/>
-              <a:buSzTx/>
-              <a:buFontTx/>
-              <a:buNone/>
-              <a:defRPr>
-                <a:solidFill>
-                  <a:srgbClr val="7F7F7F"/>
-                </a:solidFill>
-              </a:defRPr>
-            </a:pPr>
+            <a:pPr/>
           </a:p>
         </p:txBody>
       </p:sp>
@@ -4193,8 +4198,8 @@
         </p:nvSpPr>
         <p:spPr>
           <a:xfrm>
-            <a:off x="440703" y="352114"/>
-            <a:ext cx="388601" cy="919922"/>
+            <a:off x="440702" y="352113"/>
+            <a:ext cx="388603" cy="919923"/>
           </a:xfrm>
           <a:prstGeom prst="rect">
             <a:avLst/>
@@ -4218,6 +4223,10 @@
                 <a:solidFill>
                   <a:srgbClr val="BFE471"/>
                 </a:solidFill>
+                <a:latin typeface="+mj-lt"/>
+                <a:ea typeface="+mj-ea"/>
+                <a:cs typeface="+mj-cs"/>
+                <a:sym typeface="Arial"/>
               </a:defRPr>
             </a:lvl1pPr>
           </a:lstStyle>
@@ -4238,7 +4247,7 @@
         <p:spPr>
           <a:xfrm>
             <a:off x="6704058" y="1924247"/>
-            <a:ext cx="388601" cy="919922"/>
+            <a:ext cx="388602" cy="919922"/>
           </a:xfrm>
           <a:prstGeom prst="rect">
             <a:avLst/>
@@ -4262,6 +4271,10 @@
                 <a:solidFill>
                   <a:srgbClr val="BFE471"/>
                 </a:solidFill>
+                <a:latin typeface="+mj-lt"/>
+                <a:ea typeface="+mj-ea"/>
+                <a:cs typeface="+mj-cs"/>
+                <a:sym typeface="Arial"/>
               </a:defRPr>
             </a:lvl1pPr>
           </a:lstStyle>
@@ -4283,8 +4296,8 @@
         </p:nvSpPr>
         <p:spPr>
           <a:xfrm>
-            <a:off x="6771481" y="4577793"/>
-            <a:ext cx="184021" cy="180301"/>
+            <a:off x="6771483" y="4577794"/>
+            <a:ext cx="184020" cy="180299"/>
           </a:xfrm>
           <a:prstGeom prst="rect">
             <a:avLst/>
@@ -4368,7 +4381,7 @@
         <p:spPr>
           <a:xfrm>
             <a:off x="507998" y="3009900"/>
-            <a:ext cx="6447504" cy="385687"/>
+            <a:ext cx="6447505" cy="385687"/>
           </a:xfrm>
           <a:prstGeom prst="rect">
             <a:avLst/>
@@ -4377,7 +4390,7 @@
         <p:txBody>
           <a:bodyPr lIns="45699" tIns="45699" rIns="45699" bIns="45699" anchor="b"/>
           <a:lstStyle>
-            <a:lvl1pPr marL="228600" indent="0">
+            <a:lvl1pPr marL="0" indent="228600">
               <a:spcBef>
                 <a:spcPts val="700"/>
               </a:spcBef>
@@ -4391,7 +4404,7 @@
                 </a:solidFill>
               </a:defRPr>
             </a:lvl1pPr>
-            <a:lvl2pPr marL="228600" indent="457200">
+            <a:lvl2pPr marL="0" indent="228600">
               <a:spcBef>
                 <a:spcPts val="700"/>
               </a:spcBef>
@@ -4405,7 +4418,7 @@
                 </a:solidFill>
               </a:defRPr>
             </a:lvl2pPr>
-            <a:lvl3pPr marL="228600" indent="914400">
+            <a:lvl3pPr marL="0" indent="228600">
               <a:spcBef>
                 <a:spcPts val="700"/>
               </a:spcBef>
@@ -4419,7 +4432,7 @@
                 </a:solidFill>
               </a:defRPr>
             </a:lvl3pPr>
-            <a:lvl4pPr marL="228600" indent="1371600">
+            <a:lvl4pPr marL="0" indent="228600">
               <a:spcBef>
                 <a:spcPts val="700"/>
               </a:spcBef>
@@ -4433,7 +4446,7 @@
                 </a:solidFill>
               </a:defRPr>
             </a:lvl4pPr>
-            <a:lvl5pPr marL="228600" indent="1828800">
+            <a:lvl5pPr marL="0" indent="228600">
               <a:spcBef>
                 <a:spcPts val="700"/>
               </a:spcBef>
@@ -4490,8 +4503,8 @@
         </p:nvSpPr>
         <p:spPr>
           <a:xfrm>
-            <a:off x="508001" y="3395586"/>
-            <a:ext cx="6447502" cy="1135437"/>
+            <a:off x="508000" y="3395586"/>
+            <a:ext cx="6447504" cy="1135438"/>
           </a:xfrm>
           <a:prstGeom prst="rect">
             <a:avLst/>
@@ -4501,20 +4514,7 @@
           <a:bodyPr lIns="45699" tIns="45699" rIns="45699" bIns="45699"/>
           <a:lstStyle/>
           <a:p>
-            <a:pPr marL="228600" indent="0">
-              <a:spcBef>
-                <a:spcPts val="700"/>
-              </a:spcBef>
-              <a:buClrTx/>
-              <a:buSzTx/>
-              <a:buFontTx/>
-              <a:buNone/>
-              <a:defRPr>
-                <a:solidFill>
-                  <a:srgbClr val="7F7F7F"/>
-                </a:solidFill>
-              </a:defRPr>
-            </a:pPr>
+            <a:pPr/>
           </a:p>
         </p:txBody>
       </p:sp>
@@ -4528,8 +4528,8 @@
         </p:nvSpPr>
         <p:spPr>
           <a:xfrm>
-            <a:off x="6771481" y="4577793"/>
-            <a:ext cx="184021" cy="180301"/>
+            <a:off x="6771483" y="4577794"/>
+            <a:ext cx="184020" cy="180299"/>
           </a:xfrm>
           <a:prstGeom prst="rect">
             <a:avLst/>
@@ -4581,7 +4581,7 @@
         <p:spPr>
           <a:xfrm>
             <a:off x="508001" y="457200"/>
-            <a:ext cx="6447502" cy="990600"/>
+            <a:ext cx="6447503" cy="990600"/>
           </a:xfrm>
           <a:prstGeom prst="rect">
             <a:avLst/>
@@ -4609,7 +4609,7 @@
         <p:spPr>
           <a:xfrm rot="5400000">
             <a:off x="2276462" y="-148020"/>
-            <a:ext cx="2910581" cy="6447503"/>
+            <a:ext cx="2910582" cy="6447503"/>
           </a:xfrm>
           <a:prstGeom prst="rect">
             <a:avLst/>
@@ -4624,25 +4624,25 @@
               </a:spcBef>
               <a:buChar char="►"/>
             </a:lvl1pPr>
-            <a:lvl2pPr marL="941069" indent="-346709">
+            <a:lvl2pPr marL="941069" indent="-346708">
               <a:spcBef>
                 <a:spcPts val="700"/>
               </a:spcBef>
               <a:buChar char="►"/>
             </a:lvl2pPr>
-            <a:lvl3pPr marL="1467611" indent="-416050">
+            <a:lvl3pPr marL="1467611" indent="-416049">
               <a:spcBef>
                 <a:spcPts val="700"/>
               </a:spcBef>
               <a:buChar char="►"/>
             </a:lvl3pPr>
-            <a:lvl4pPr marL="1971039" indent="-462278">
+            <a:lvl4pPr marL="1971038" indent="-462277">
               <a:spcBef>
                 <a:spcPts val="700"/>
               </a:spcBef>
               <a:buChar char="►"/>
             </a:lvl4pPr>
-            <a:lvl5pPr marL="2428239" indent="-462278">
+            <a:lvl5pPr marL="2428238" indent="-462277">
               <a:spcBef>
                 <a:spcPts val="700"/>
               </a:spcBef>
@@ -4691,8 +4691,8 @@
         </p:nvSpPr>
         <p:spPr>
           <a:xfrm>
-            <a:off x="6771481" y="4577793"/>
-            <a:ext cx="184021" cy="180301"/>
+            <a:off x="6771483" y="4577794"/>
+            <a:ext cx="184020" cy="180299"/>
           </a:xfrm>
           <a:prstGeom prst="rect">
             <a:avLst/>
@@ -4744,7 +4744,7 @@
         <p:spPr>
           <a:xfrm rot="5400000">
             <a:off x="4495739" y="1937215"/>
-            <a:ext cx="3938589" cy="978558"/>
+            <a:ext cx="3938590" cy="978559"/>
           </a:xfrm>
           <a:prstGeom prst="rect">
             <a:avLst/>
@@ -4771,8 +4771,8 @@
         </p:nvSpPr>
         <p:spPr>
           <a:xfrm rot="5400000">
-            <a:off x="1186264" y="-221064"/>
-            <a:ext cx="3938588" cy="5295114"/>
+            <a:off x="1186264" y="-221065"/>
+            <a:ext cx="3938588" cy="5295115"/>
           </a:xfrm>
           <a:prstGeom prst="rect">
             <a:avLst/>
@@ -4787,25 +4787,25 @@
               </a:spcBef>
               <a:buChar char="►"/>
             </a:lvl1pPr>
-            <a:lvl2pPr marL="941069" indent="-346709">
+            <a:lvl2pPr marL="941069" indent="-346708">
               <a:spcBef>
                 <a:spcPts val="700"/>
               </a:spcBef>
               <a:buChar char="►"/>
             </a:lvl2pPr>
-            <a:lvl3pPr marL="1467611" indent="-416050">
+            <a:lvl3pPr marL="1467611" indent="-416049">
               <a:spcBef>
                 <a:spcPts val="700"/>
               </a:spcBef>
               <a:buChar char="►"/>
             </a:lvl3pPr>
-            <a:lvl4pPr marL="1971039" indent="-462278">
+            <a:lvl4pPr marL="1971038" indent="-462277">
               <a:spcBef>
                 <a:spcPts val="700"/>
               </a:spcBef>
               <a:buChar char="►"/>
             </a:lvl4pPr>
-            <a:lvl5pPr marL="2428239" indent="-462278">
+            <a:lvl5pPr marL="2428238" indent="-462277">
               <a:spcBef>
                 <a:spcPts val="700"/>
               </a:spcBef>
@@ -4854,8 +4854,8 @@
         </p:nvSpPr>
         <p:spPr>
           <a:xfrm>
-            <a:off x="6771481" y="4577793"/>
-            <a:ext cx="184021" cy="180301"/>
+            <a:off x="6771483" y="4577794"/>
+            <a:ext cx="184020" cy="180299"/>
           </a:xfrm>
           <a:prstGeom prst="rect">
             <a:avLst/>
@@ -4957,7 +4957,7 @@
         <p:spPr>
           <a:xfrm>
             <a:off x="452437" y="2698824"/>
-            <a:ext cx="8239126" cy="714380"/>
+            <a:ext cx="8239126" cy="714381"/>
           </a:xfrm>
           <a:prstGeom prst="rect">
             <a:avLst/>
@@ -5122,7 +5122,7 @@
         <p:spPr>
           <a:xfrm>
             <a:off x="-206645" y="4003075"/>
-            <a:ext cx="2676121" cy="1504498"/>
+            <a:ext cx="2676121" cy="1504499"/>
           </a:xfrm>
           <a:prstGeom prst="rect">
             <a:avLst/>
@@ -5151,7 +5151,7 @@
         <p:spPr>
           <a:xfrm>
             <a:off x="3566517" y="4003075"/>
-            <a:ext cx="2127278" cy="1504498"/>
+            <a:ext cx="2127279" cy="1504499"/>
           </a:xfrm>
           <a:prstGeom prst="rect">
             <a:avLst/>
@@ -5169,10 +5169,10 @@
         </p:nvGrpSpPr>
         <p:grpSpPr>
           <a:xfrm>
-            <a:off x="2191" y="-20603"/>
-            <a:ext cx="9139616" cy="574446"/>
-            <a:chOff x="-1" y="0"/>
-            <a:chExt cx="9139614" cy="574445"/>
+            <a:off x="2189" y="-20605"/>
+            <a:ext cx="9139619" cy="574448"/>
+            <a:chOff x="-1" y="-1"/>
+            <a:chExt cx="9139618" cy="574447"/>
           </a:xfrm>
         </p:grpSpPr>
         <p:sp>
@@ -5183,8 +5183,8 @@
           </p:nvSpPr>
           <p:spPr>
             <a:xfrm>
-              <a:off x="-2" y="-1"/>
-              <a:ext cx="9139616" cy="574446"/>
+              <a:off x="-2" y="-2"/>
+              <a:ext cx="9139619" cy="574448"/>
             </a:xfrm>
             <a:prstGeom prst="rect">
               <a:avLst/>
@@ -5227,7 +5227,7 @@
           <p:spPr>
             <a:xfrm>
               <a:off x="-2" y="175130"/>
-              <a:ext cx="9139616" cy="224180"/>
+              <a:ext cx="9139619" cy="224180"/>
             </a:xfrm>
             <a:prstGeom prst="rect">
               <a:avLst/>
@@ -5309,7 +5309,7 @@
         </p:nvSpPr>
         <p:spPr>
           <a:xfrm>
-            <a:off x="4501889" y="4918852"/>
+            <a:off x="4501889" y="4918853"/>
             <a:ext cx="135536" cy="127001"/>
           </a:xfrm>
           <a:prstGeom prst="rect">
@@ -5494,7 +5494,7 @@
         <p:spPr>
           <a:xfrm>
             <a:off x="508001" y="457200"/>
-            <a:ext cx="6447502" cy="990600"/>
+            <a:ext cx="6447503" cy="990600"/>
           </a:xfrm>
           <a:prstGeom prst="rect">
             <a:avLst/>
@@ -5522,7 +5522,7 @@
         <p:spPr>
           <a:xfrm>
             <a:off x="508001" y="1620441"/>
-            <a:ext cx="6447502" cy="2910582"/>
+            <a:ext cx="6447503" cy="2910583"/>
           </a:xfrm>
           <a:prstGeom prst="rect">
             <a:avLst/>
@@ -5537,25 +5537,25 @@
               </a:spcBef>
               <a:buChar char="►"/>
             </a:lvl1pPr>
-            <a:lvl2pPr marL="941069" indent="-346709">
+            <a:lvl2pPr marL="941069" indent="-346708">
               <a:spcBef>
                 <a:spcPts val="700"/>
               </a:spcBef>
               <a:buChar char="►"/>
             </a:lvl2pPr>
-            <a:lvl3pPr marL="1467611" indent="-416050">
+            <a:lvl3pPr marL="1467611" indent="-416049">
               <a:spcBef>
                 <a:spcPts val="700"/>
               </a:spcBef>
               <a:buChar char="►"/>
             </a:lvl3pPr>
-            <a:lvl4pPr marL="1971039" indent="-462278">
+            <a:lvl4pPr marL="1971038" indent="-462277">
               <a:spcBef>
                 <a:spcPts val="700"/>
               </a:spcBef>
               <a:buChar char="►"/>
             </a:lvl4pPr>
-            <a:lvl5pPr marL="2428239" indent="-462278">
+            <a:lvl5pPr marL="2428238" indent="-462277">
               <a:spcBef>
                 <a:spcPts val="700"/>
               </a:spcBef>
@@ -5604,8 +5604,8 @@
         </p:nvSpPr>
         <p:spPr>
           <a:xfrm>
-            <a:off x="6771481" y="4577793"/>
-            <a:ext cx="184021" cy="180301"/>
+            <a:off x="6771483" y="4577794"/>
+            <a:ext cx="184020" cy="180299"/>
           </a:xfrm>
           <a:prstGeom prst="rect">
             <a:avLst/>
@@ -5657,7 +5657,7 @@
         <p:spPr>
           <a:xfrm>
             <a:off x="508001" y="2025650"/>
-            <a:ext cx="6447502" cy="1369937"/>
+            <a:ext cx="6447503" cy="1369938"/>
           </a:xfrm>
           <a:prstGeom prst="rect">
             <a:avLst/>
@@ -5689,7 +5689,7 @@
         <p:spPr>
           <a:xfrm>
             <a:off x="508001" y="3395586"/>
-            <a:ext cx="6447502" cy="645301"/>
+            <a:ext cx="6447503" cy="645302"/>
           </a:xfrm>
           <a:prstGeom prst="rect">
             <a:avLst/>
@@ -5698,7 +5698,7 @@
         <p:txBody>
           <a:bodyPr lIns="45699" tIns="45699" rIns="45699" bIns="45699"/>
           <a:lstStyle>
-            <a:lvl1pPr marL="228600" indent="0">
+            <a:lvl1pPr marL="0" indent="228600">
               <a:spcBef>
                 <a:spcPts val="700"/>
               </a:spcBef>
@@ -5712,7 +5712,7 @@
                 </a:solidFill>
               </a:defRPr>
             </a:lvl1pPr>
-            <a:lvl2pPr marL="228600" indent="457200">
+            <a:lvl2pPr marL="0" indent="228600">
               <a:spcBef>
                 <a:spcPts val="700"/>
               </a:spcBef>
@@ -5726,7 +5726,7 @@
                 </a:solidFill>
               </a:defRPr>
             </a:lvl2pPr>
-            <a:lvl3pPr marL="228600" indent="914400">
+            <a:lvl3pPr marL="0" indent="228600">
               <a:spcBef>
                 <a:spcPts val="700"/>
               </a:spcBef>
@@ -5740,7 +5740,7 @@
                 </a:solidFill>
               </a:defRPr>
             </a:lvl3pPr>
-            <a:lvl4pPr marL="228600" indent="1371600">
+            <a:lvl4pPr marL="0" indent="228600">
               <a:spcBef>
                 <a:spcPts val="700"/>
               </a:spcBef>
@@ -5754,7 +5754,7 @@
                 </a:solidFill>
               </a:defRPr>
             </a:lvl4pPr>
-            <a:lvl5pPr marL="228600" indent="1828800">
+            <a:lvl5pPr marL="0" indent="228600">
               <a:spcBef>
                 <a:spcPts val="700"/>
               </a:spcBef>
@@ -5811,8 +5811,8 @@
         </p:nvSpPr>
         <p:spPr>
           <a:xfrm>
-            <a:off x="6771481" y="4577793"/>
-            <a:ext cx="184021" cy="180301"/>
+            <a:off x="6771483" y="4577794"/>
+            <a:ext cx="184020" cy="180299"/>
           </a:xfrm>
           <a:prstGeom prst="rect">
             <a:avLst/>
@@ -5864,7 +5864,7 @@
         <p:spPr>
           <a:xfrm>
             <a:off x="508001" y="457200"/>
-            <a:ext cx="6447502" cy="990600"/>
+            <a:ext cx="6447503" cy="990600"/>
           </a:xfrm>
           <a:prstGeom prst="rect">
             <a:avLst/>
@@ -5892,7 +5892,7 @@
         <p:spPr>
           <a:xfrm>
             <a:off x="508001" y="1620441"/>
-            <a:ext cx="3138027" cy="2910580"/>
+            <a:ext cx="3138028" cy="2910581"/>
           </a:xfrm>
           <a:prstGeom prst="rect">
             <a:avLst/>
@@ -5907,25 +5907,25 @@
               </a:spcBef>
               <a:buChar char="►"/>
             </a:lvl1pPr>
-            <a:lvl2pPr marL="941069" indent="-346709">
+            <a:lvl2pPr marL="941069" indent="-346708">
               <a:spcBef>
                 <a:spcPts val="700"/>
               </a:spcBef>
               <a:buChar char="►"/>
             </a:lvl2pPr>
-            <a:lvl3pPr marL="1467611" indent="-416050">
+            <a:lvl3pPr marL="1467611" indent="-416049">
               <a:spcBef>
                 <a:spcPts val="700"/>
               </a:spcBef>
               <a:buChar char="►"/>
             </a:lvl3pPr>
-            <a:lvl4pPr marL="1971039" indent="-462278">
+            <a:lvl4pPr marL="1971038" indent="-462277">
               <a:spcBef>
                 <a:spcPts val="700"/>
               </a:spcBef>
               <a:buChar char="►"/>
             </a:lvl4pPr>
-            <a:lvl5pPr marL="2428239" indent="-462278">
+            <a:lvl5pPr marL="2428238" indent="-462277">
               <a:spcBef>
                 <a:spcPts val="700"/>
               </a:spcBef>
@@ -5974,8 +5974,8 @@
         </p:nvSpPr>
         <p:spPr>
           <a:xfrm>
-            <a:off x="3817477" y="1620441"/>
-            <a:ext cx="3138027" cy="2910582"/>
+            <a:off x="3817477" y="1620440"/>
+            <a:ext cx="3138028" cy="2910584"/>
           </a:xfrm>
           <a:prstGeom prst="rect">
             <a:avLst/>
@@ -5985,12 +5985,7 @@
           <a:bodyPr lIns="45699" tIns="45699" rIns="45699" bIns="45699"/>
           <a:lstStyle/>
           <a:p>
-            <a:pPr indent="-320040">
-              <a:spcBef>
-                <a:spcPts val="700"/>
-              </a:spcBef>
-              <a:buChar char="►"/>
-            </a:pPr>
+            <a:pPr/>
           </a:p>
         </p:txBody>
       </p:sp>
@@ -6004,8 +5999,8 @@
         </p:nvSpPr>
         <p:spPr>
           <a:xfrm>
-            <a:off x="6771481" y="4577793"/>
-            <a:ext cx="184021" cy="180301"/>
+            <a:off x="6771483" y="4577794"/>
+            <a:ext cx="184020" cy="180299"/>
           </a:xfrm>
           <a:prstGeom prst="rect">
             <a:avLst/>
@@ -6057,7 +6052,7 @@
         <p:spPr>
           <a:xfrm>
             <a:off x="508001" y="457200"/>
-            <a:ext cx="6447502" cy="990600"/>
+            <a:ext cx="6447503" cy="990600"/>
           </a:xfrm>
           <a:prstGeom prst="rect">
             <a:avLst/>
@@ -6085,7 +6080,7 @@
         <p:spPr>
           <a:xfrm>
             <a:off x="506808" y="1620737"/>
-            <a:ext cx="3139218" cy="432198"/>
+            <a:ext cx="3139219" cy="432199"/>
           </a:xfrm>
           <a:prstGeom prst="rect">
             <a:avLst/>
@@ -6094,7 +6089,7 @@
         <p:txBody>
           <a:bodyPr lIns="45699" tIns="45699" rIns="45699" bIns="45699" anchor="b"/>
           <a:lstStyle>
-            <a:lvl1pPr marL="228600" indent="0">
+            <a:lvl1pPr marL="0" indent="228600">
               <a:spcBef>
                 <a:spcPts val="700"/>
               </a:spcBef>
@@ -6104,7 +6099,7 @@
               <a:buNone/>
               <a:defRPr sz="1800"/>
             </a:lvl1pPr>
-            <a:lvl2pPr marL="228600" indent="457200">
+            <a:lvl2pPr marL="0" indent="228600">
               <a:spcBef>
                 <a:spcPts val="700"/>
               </a:spcBef>
@@ -6114,7 +6109,7 @@
               <a:buNone/>
               <a:defRPr sz="1800"/>
             </a:lvl2pPr>
-            <a:lvl3pPr marL="228600" indent="914400">
+            <a:lvl3pPr marL="0" indent="228600">
               <a:spcBef>
                 <a:spcPts val="700"/>
               </a:spcBef>
@@ -6124,7 +6119,7 @@
               <a:buNone/>
               <a:defRPr sz="1800"/>
             </a:lvl3pPr>
-            <a:lvl4pPr marL="228600" indent="1371600">
+            <a:lvl4pPr marL="0" indent="228600">
               <a:spcBef>
                 <a:spcPts val="700"/>
               </a:spcBef>
@@ -6134,7 +6129,7 @@
               <a:buNone/>
               <a:defRPr sz="1800"/>
             </a:lvl4pPr>
-            <a:lvl5pPr marL="228600" indent="1828800">
+            <a:lvl5pPr marL="0" indent="228600">
               <a:spcBef>
                 <a:spcPts val="700"/>
               </a:spcBef>
@@ -6187,8 +6182,8 @@
         </p:nvSpPr>
         <p:spPr>
           <a:xfrm>
-            <a:off x="506808" y="2052933"/>
-            <a:ext cx="3139219" cy="2478090"/>
+            <a:off x="506807" y="2052933"/>
+            <a:ext cx="3139221" cy="2478091"/>
           </a:xfrm>
           <a:prstGeom prst="rect">
             <a:avLst/>
@@ -6198,12 +6193,7 @@
           <a:bodyPr lIns="45699" tIns="45699" rIns="45699" bIns="45699"/>
           <a:lstStyle/>
           <a:p>
-            <a:pPr indent="-320040">
-              <a:spcBef>
-                <a:spcPts val="700"/>
-              </a:spcBef>
-              <a:buChar char="►"/>
-            </a:pPr>
+            <a:pPr/>
           </a:p>
         </p:txBody>
       </p:sp>
@@ -6218,7 +6208,7 @@
         <p:spPr>
           <a:xfrm>
             <a:off x="3816286" y="1620737"/>
-            <a:ext cx="3139215" cy="432198"/>
+            <a:ext cx="3139216" cy="432199"/>
           </a:xfrm>
           <a:prstGeom prst="rect">
             <a:avLst/>
@@ -6228,16 +6218,7 @@
           <a:bodyPr lIns="45699" tIns="45699" rIns="45699" bIns="45699" anchor="b"/>
           <a:lstStyle/>
           <a:p>
-            <a:pPr marL="228600" indent="0">
-              <a:spcBef>
-                <a:spcPts val="700"/>
-              </a:spcBef>
-              <a:buClrTx/>
-              <a:buSzTx/>
-              <a:buFontTx/>
-              <a:buNone/>
-              <a:defRPr sz="1800"/>
-            </a:pPr>
+            <a:pPr/>
           </a:p>
         </p:txBody>
       </p:sp>
@@ -6251,8 +6232,8 @@
         </p:nvSpPr>
         <p:spPr>
           <a:xfrm>
-            <a:off x="3816287" y="2052933"/>
-            <a:ext cx="3139215" cy="2478090"/>
+            <a:off x="3816286" y="2052933"/>
+            <a:ext cx="3139216" cy="2478091"/>
           </a:xfrm>
           <a:prstGeom prst="rect">
             <a:avLst/>
@@ -6262,12 +6243,7 @@
           <a:bodyPr lIns="45699" tIns="45699" rIns="45699" bIns="45699"/>
           <a:lstStyle/>
           <a:p>
-            <a:pPr indent="-320040">
-              <a:spcBef>
-                <a:spcPts val="700"/>
-              </a:spcBef>
-              <a:buChar char="►"/>
-            </a:pPr>
+            <a:pPr/>
           </a:p>
         </p:txBody>
       </p:sp>
@@ -6281,8 +6257,8 @@
         </p:nvSpPr>
         <p:spPr>
           <a:xfrm>
-            <a:off x="6771481" y="4577793"/>
-            <a:ext cx="184021" cy="180301"/>
+            <a:off x="6771483" y="4577794"/>
+            <a:ext cx="184020" cy="180299"/>
           </a:xfrm>
           <a:prstGeom prst="rect">
             <a:avLst/>
@@ -6334,7 +6310,7 @@
         <p:spPr>
           <a:xfrm>
             <a:off x="508001" y="457200"/>
-            <a:ext cx="6447502" cy="990600"/>
+            <a:ext cx="6447503" cy="990600"/>
           </a:xfrm>
           <a:prstGeom prst="rect">
             <a:avLst/>
@@ -6361,8 +6337,8 @@
         </p:nvSpPr>
         <p:spPr>
           <a:xfrm>
-            <a:off x="6771481" y="4577793"/>
-            <a:ext cx="184021" cy="180301"/>
+            <a:off x="6771483" y="4577794"/>
+            <a:ext cx="184020" cy="180299"/>
           </a:xfrm>
           <a:prstGeom prst="rect">
             <a:avLst/>
@@ -6413,8 +6389,8 @@
         </p:nvSpPr>
         <p:spPr>
           <a:xfrm>
-            <a:off x="6771481" y="4577793"/>
-            <a:ext cx="184021" cy="180301"/>
+            <a:off x="6771483" y="4577794"/>
+            <a:ext cx="184020" cy="180299"/>
           </a:xfrm>
           <a:prstGeom prst="rect">
             <a:avLst/>
@@ -6466,7 +6442,7 @@
         <p:spPr>
           <a:xfrm>
             <a:off x="508001" y="1123953"/>
-            <a:ext cx="2890897" cy="958851"/>
+            <a:ext cx="2890898" cy="958851"/>
           </a:xfrm>
           <a:prstGeom prst="rect">
             <a:avLst/>
@@ -6513,25 +6489,25 @@
               </a:spcBef>
               <a:buChar char="►"/>
             </a:lvl1pPr>
-            <a:lvl2pPr marL="941069" indent="-346709">
+            <a:lvl2pPr marL="941069" indent="-346708">
               <a:spcBef>
                 <a:spcPts val="700"/>
               </a:spcBef>
               <a:buChar char="►"/>
             </a:lvl2pPr>
-            <a:lvl3pPr marL="1467611" indent="-416050">
+            <a:lvl3pPr marL="1467611" indent="-416049">
               <a:spcBef>
                 <a:spcPts val="700"/>
               </a:spcBef>
               <a:buChar char="►"/>
             </a:lvl3pPr>
-            <a:lvl4pPr marL="1971039" indent="-462278">
+            <a:lvl4pPr marL="1971038" indent="-462277">
               <a:spcBef>
                 <a:spcPts val="700"/>
               </a:spcBef>
               <a:buChar char="►"/>
             </a:lvl4pPr>
-            <a:lvl5pPr marL="2428239" indent="-462278">
+            <a:lvl5pPr marL="2428238" indent="-462277">
               <a:spcBef>
                 <a:spcPts val="700"/>
               </a:spcBef>
@@ -6580,8 +6556,8 @@
         </p:nvSpPr>
         <p:spPr>
           <a:xfrm>
-            <a:off x="508001" y="2082801"/>
-            <a:ext cx="2890897" cy="1938337"/>
+            <a:off x="508001" y="2082800"/>
+            <a:ext cx="2890898" cy="1938337"/>
           </a:xfrm>
           <a:prstGeom prst="rect">
             <a:avLst/>
@@ -6591,16 +6567,7 @@
           <a:bodyPr lIns="45699" tIns="45699" rIns="45699" bIns="45699"/>
           <a:lstStyle/>
           <a:p>
-            <a:pPr marL="228600" indent="0">
-              <a:spcBef>
-                <a:spcPts val="700"/>
-              </a:spcBef>
-              <a:buClrTx/>
-              <a:buSzTx/>
-              <a:buFontTx/>
-              <a:buNone/>
-              <a:defRPr sz="1000"/>
-            </a:pPr>
+            <a:pPr/>
           </a:p>
         </p:txBody>
       </p:sp>
@@ -6614,8 +6581,8 @@
         </p:nvSpPr>
         <p:spPr>
           <a:xfrm>
-            <a:off x="6771481" y="4577793"/>
-            <a:ext cx="184021" cy="180301"/>
+            <a:off x="6771483" y="4577794"/>
+            <a:ext cx="184020" cy="180299"/>
           </a:xfrm>
           <a:prstGeom prst="rect">
             <a:avLst/>
@@ -6671,10 +6638,10 @@
         </p:nvGrpSpPr>
         <p:grpSpPr>
           <a:xfrm>
-            <a:off x="-1" y="-6351"/>
-            <a:ext cx="9144001" cy="5149851"/>
+            <a:off x="-2" y="-6352"/>
+            <a:ext cx="9144004" cy="5149853"/>
             <a:chOff x="0" y="0"/>
-            <a:chExt cx="9143999" cy="5149850"/>
+            <a:chExt cx="9144002" cy="5149852"/>
           </a:xfrm>
         </p:grpSpPr>
         <p:sp>
@@ -6685,8 +6652,8 @@
           </p:nvSpPr>
           <p:spPr>
             <a:xfrm>
-              <a:off x="7028258" y="6350"/>
-              <a:ext cx="914401" cy="5143500"/>
+              <a:off x="7028259" y="6349"/>
+              <a:ext cx="914402" cy="5143502"/>
             </a:xfrm>
             <a:prstGeom prst="line">
               <a:avLst/>
@@ -6702,7 +6669,7 @@
             <a:effectLst/>
           </p:spPr>
           <p:txBody>
-            <a:bodyPr wrap="square" lIns="0" tIns="0" rIns="0" bIns="0" numCol="1" anchor="t">
+            <a:bodyPr wrap="square" lIns="45718" tIns="45718" rIns="45718" bIns="45718" numCol="1" anchor="t">
               <a:noAutofit/>
             </a:bodyPr>
             <a:lstStyle/>
@@ -6719,8 +6686,8 @@
           </p:nvSpPr>
           <p:spPr>
             <a:xfrm flipH="1">
-              <a:off x="5568950" y="2767409"/>
-              <a:ext cx="3572669" cy="2382441"/>
+              <a:off x="5568951" y="2767409"/>
+              <a:ext cx="3572670" cy="2382442"/>
             </a:xfrm>
             <a:prstGeom prst="line">
               <a:avLst/>
@@ -6736,7 +6703,7 @@
             <a:effectLst/>
           </p:spPr>
           <p:txBody>
-            <a:bodyPr wrap="square" lIns="0" tIns="0" rIns="0" bIns="0" numCol="1" anchor="t">
+            <a:bodyPr wrap="square" lIns="45718" tIns="45718" rIns="45718" bIns="45718" numCol="1" anchor="t">
               <a:noAutofit/>
             </a:bodyPr>
             <a:lstStyle/>
@@ -6753,8 +6720,8 @@
           </p:nvSpPr>
           <p:spPr>
             <a:xfrm>
-              <a:off x="6886106" y="-1"/>
-              <a:ext cx="2255513" cy="5149851"/>
+              <a:off x="6886107" y="-1"/>
+              <a:ext cx="2255514" cy="5149853"/>
             </a:xfrm>
             <a:custGeom>
               <a:avLst/>
@@ -6813,7 +6780,14 @@
             </a:bodyPr>
             <a:lstStyle/>
             <a:p>
-              <a:pPr/>
+              <a:pPr>
+                <a:defRPr>
+                  <a:latin typeface="+mj-lt"/>
+                  <a:ea typeface="+mj-ea"/>
+                  <a:cs typeface="+mj-cs"/>
+                  <a:sym typeface="Arial"/>
+                </a:defRPr>
+              </a:pPr>
             </a:p>
           </p:txBody>
         </p:sp>
@@ -6825,8 +6799,8 @@
           </p:nvSpPr>
           <p:spPr>
             <a:xfrm>
-              <a:off x="7202581" y="-1"/>
-              <a:ext cx="1941419" cy="5149851"/>
+              <a:off x="7202582" y="-1"/>
+              <a:ext cx="1941420" cy="5149853"/>
             </a:xfrm>
             <a:custGeom>
               <a:avLst/>
@@ -6885,7 +6859,14 @@
             </a:bodyPr>
             <a:lstStyle/>
             <a:p>
-              <a:pPr/>
+              <a:pPr>
+                <a:defRPr>
+                  <a:latin typeface="+mj-lt"/>
+                  <a:ea typeface="+mj-ea"/>
+                  <a:cs typeface="+mj-cs"/>
+                  <a:sym typeface="Arial"/>
+                </a:defRPr>
+              </a:pPr>
             </a:p>
           </p:txBody>
         </p:sp>
@@ -6897,8 +6878,8 @@
           </p:nvSpPr>
           <p:spPr>
             <a:xfrm>
-              <a:off x="6699249" y="2292350"/>
-              <a:ext cx="2444751" cy="2857500"/>
+              <a:off x="6699250" y="2292350"/>
+              <a:ext cx="2444752" cy="2857501"/>
             </a:xfrm>
             <a:custGeom>
               <a:avLst/>
@@ -6951,7 +6932,14 @@
             </a:bodyPr>
             <a:lstStyle/>
             <a:p>
-              <a:pPr/>
+              <a:pPr>
+                <a:defRPr>
+                  <a:latin typeface="+mj-lt"/>
+                  <a:ea typeface="+mj-ea"/>
+                  <a:cs typeface="+mj-cs"/>
+                  <a:sym typeface="Arial"/>
+                </a:defRPr>
+              </a:pPr>
             </a:p>
           </p:txBody>
         </p:sp>
@@ -6963,8 +6951,8 @@
           </p:nvSpPr>
           <p:spPr>
             <a:xfrm>
-              <a:off x="7000874" y="-1"/>
-              <a:ext cx="2140746" cy="5149851"/>
+              <a:off x="7000875" y="-1"/>
+              <a:ext cx="2140747" cy="5149853"/>
             </a:xfrm>
             <a:custGeom>
               <a:avLst/>
@@ -7023,7 +7011,14 @@
             </a:bodyPr>
             <a:lstStyle/>
             <a:p>
-              <a:pPr/>
+              <a:pPr>
+                <a:defRPr>
+                  <a:latin typeface="+mj-lt"/>
+                  <a:ea typeface="+mj-ea"/>
+                  <a:cs typeface="+mj-cs"/>
+                  <a:sym typeface="Arial"/>
+                </a:defRPr>
+              </a:pPr>
             </a:p>
           </p:txBody>
         </p:sp>
@@ -7035,8 +7030,8 @@
           </p:nvSpPr>
           <p:spPr>
             <a:xfrm>
-              <a:off x="8174047" y="-1"/>
-              <a:ext cx="967571" cy="5149851"/>
+              <a:off x="8174048" y="-1"/>
+              <a:ext cx="967572" cy="5149853"/>
             </a:xfrm>
             <a:custGeom>
               <a:avLst/>
@@ -7095,7 +7090,14 @@
             </a:bodyPr>
             <a:lstStyle/>
             <a:p>
-              <a:pPr/>
+              <a:pPr>
+                <a:defRPr>
+                  <a:latin typeface="+mj-lt"/>
+                  <a:ea typeface="+mj-ea"/>
+                  <a:cs typeface="+mj-cs"/>
+                  <a:sym typeface="Arial"/>
+                </a:defRPr>
+              </a:pPr>
             </a:p>
           </p:txBody>
         </p:sp>
@@ -7107,8 +7109,8 @@
           </p:nvSpPr>
           <p:spPr>
             <a:xfrm>
-              <a:off x="8204249" y="-1"/>
-              <a:ext cx="937369" cy="5149851"/>
+              <a:off x="8204250" y="-1"/>
+              <a:ext cx="937370" cy="5149853"/>
             </a:xfrm>
             <a:custGeom>
               <a:avLst/>
@@ -7167,7 +7169,14 @@
             </a:bodyPr>
             <a:lstStyle/>
             <a:p>
-              <a:pPr/>
+              <a:pPr>
+                <a:defRPr>
+                  <a:latin typeface="+mj-lt"/>
+                  <a:ea typeface="+mj-ea"/>
+                  <a:cs typeface="+mj-cs"/>
+                  <a:sym typeface="Arial"/>
+                </a:defRPr>
+              </a:pPr>
             </a:p>
           </p:txBody>
         </p:sp>
@@ -7179,8 +7188,8 @@
           </p:nvSpPr>
           <p:spPr>
             <a:xfrm>
-              <a:off x="7778749" y="2698750"/>
-              <a:ext cx="1362870" cy="2451100"/>
+              <a:off x="7778750" y="2698750"/>
+              <a:ext cx="1362871" cy="2451102"/>
             </a:xfrm>
             <a:custGeom>
               <a:avLst/>
@@ -7233,7 +7242,14 @@
             </a:bodyPr>
             <a:lstStyle/>
             <a:p>
-              <a:pPr/>
+              <a:pPr>
+                <a:defRPr>
+                  <a:latin typeface="+mj-lt"/>
+                  <a:ea typeface="+mj-ea"/>
+                  <a:cs typeface="+mj-cs"/>
+                  <a:sym typeface="Arial"/>
+                </a:defRPr>
+              </a:pPr>
             </a:p>
           </p:txBody>
         </p:sp>
@@ -7245,8 +7261,8 @@
           </p:nvSpPr>
           <p:spPr>
             <a:xfrm>
-              <a:off x="0" y="3016250"/>
-              <a:ext cx="336550" cy="2133600"/>
+              <a:off x="-1" y="3016250"/>
+              <a:ext cx="336552" cy="2133602"/>
             </a:xfrm>
             <a:custGeom>
               <a:avLst/>
@@ -7299,7 +7315,14 @@
             </a:bodyPr>
             <a:lstStyle/>
             <a:p>
-              <a:pPr/>
+              <a:pPr>
+                <a:defRPr>
+                  <a:latin typeface="+mj-lt"/>
+                  <a:ea typeface="+mj-ea"/>
+                  <a:cs typeface="+mj-cs"/>
+                  <a:sym typeface="Arial"/>
+                </a:defRPr>
+              </a:pPr>
             </a:p>
           </p:txBody>
         </p:sp>
@@ -7314,8 +7337,8 @@
         </p:nvSpPr>
         <p:spPr>
           <a:xfrm>
-            <a:off x="311699" y="445025"/>
-            <a:ext cx="8520602" cy="572701"/>
+            <a:off x="311698" y="445025"/>
+            <a:ext cx="8520603" cy="572702"/>
           </a:xfrm>
           <a:prstGeom prst="rect">
             <a:avLst/>
@@ -7330,7 +7353,7 @@
           </a:extLst>
         </p:spPr>
         <p:txBody>
-          <a:bodyPr lIns="91424" tIns="91424" rIns="91424" bIns="91424">
+          <a:bodyPr lIns="91423" tIns="91423" rIns="91423" bIns="91423">
             <a:normAutofit fontScale="100000" lnSpcReduction="0"/>
           </a:bodyPr>
           <a:lstStyle/>
@@ -7352,8 +7375,8 @@
         </p:nvSpPr>
         <p:spPr>
           <a:xfrm>
-            <a:off x="311699" y="1152475"/>
-            <a:ext cx="8520602" cy="3416400"/>
+            <a:off x="311698" y="1152475"/>
+            <a:ext cx="8520603" cy="3416400"/>
           </a:xfrm>
           <a:prstGeom prst="rect">
             <a:avLst/>
@@ -7368,7 +7391,7 @@
           </a:extLst>
         </p:spPr>
         <p:txBody>
-          <a:bodyPr lIns="91424" tIns="91424" rIns="91424" bIns="91424">
+          <a:bodyPr lIns="91423" tIns="91423" rIns="91423" bIns="91423">
             <a:normAutofit fontScale="100000" lnSpcReduction="0"/>
           </a:bodyPr>
           <a:lstStyle/>
@@ -7414,8 +7437,8 @@
         </p:nvSpPr>
         <p:spPr>
           <a:xfrm>
-            <a:off x="8745687" y="4724141"/>
-            <a:ext cx="275472" cy="271751"/>
+            <a:off x="8745690" y="4724142"/>
+            <a:ext cx="275470" cy="271749"/>
           </a:xfrm>
           <a:prstGeom prst="rect">
             <a:avLst/>
@@ -7425,7 +7448,7 @@
           </a:ln>
         </p:spPr>
         <p:txBody>
-          <a:bodyPr wrap="none" lIns="91424" tIns="91424" rIns="91424" bIns="91424" anchor="ctr">
+          <a:bodyPr wrap="none" lIns="91423" tIns="91423" rIns="91423" bIns="91423" anchor="ctr">
             <a:spAutoFit/>
           </a:bodyPr>
           <a:lstStyle>
@@ -7737,7 +7760,7 @@
           <a:sym typeface="Trebuchet MS"/>
         </a:defRPr>
       </a:lvl1pPr>
-      <a:lvl2pPr marL="940858" marR="0" indent="-343958" algn="l" defTabSz="914400" rtl="0" latinLnBrk="0">
+      <a:lvl2pPr marL="940857" marR="0" indent="-343957" algn="l" defTabSz="914400" rtl="0" latinLnBrk="0">
         <a:lnSpc>
           <a:spcPct val="100000"/>
         </a:lnSpc>
@@ -7793,7 +7816,7 @@
           <a:sym typeface="Trebuchet MS"/>
         </a:defRPr>
       </a:lvl3pPr>
-      <a:lvl4pPr marL="1969911" marR="0" indent="-458611" algn="l" defTabSz="914400" rtl="0" latinLnBrk="0">
+      <a:lvl4pPr marL="1969910" marR="0" indent="-458610" algn="l" defTabSz="914400" rtl="0" latinLnBrk="0">
         <a:lnSpc>
           <a:spcPct val="100000"/>
         </a:lnSpc>
@@ -7821,7 +7844,7 @@
           <a:sym typeface="Trebuchet MS"/>
         </a:defRPr>
       </a:lvl4pPr>
-      <a:lvl5pPr marL="2427111" marR="0" indent="-458611" algn="l" defTabSz="914400" rtl="0" latinLnBrk="0">
+      <a:lvl5pPr marL="2427110" marR="0" indent="-458610" algn="l" defTabSz="914400" rtl="0" latinLnBrk="0">
         <a:lnSpc>
           <a:spcPct val="100000"/>
         </a:lnSpc>
@@ -7849,7 +7872,7 @@
           <a:sym typeface="Trebuchet MS"/>
         </a:defRPr>
       </a:lvl5pPr>
-      <a:lvl6pPr marL="2884311" marR="0" indent="-458611" algn="l" defTabSz="914400" rtl="0" latinLnBrk="0">
+      <a:lvl6pPr marL="2884310" marR="0" indent="-458610" algn="l" defTabSz="914400" rtl="0" latinLnBrk="0">
         <a:lnSpc>
           <a:spcPct val="100000"/>
         </a:lnSpc>
@@ -7877,7 +7900,7 @@
           <a:sym typeface="Trebuchet MS"/>
         </a:defRPr>
       </a:lvl6pPr>
-      <a:lvl7pPr marL="3341511" marR="0" indent="-458611" algn="l" defTabSz="914400" rtl="0" latinLnBrk="0">
+      <a:lvl7pPr marL="3341511" marR="0" indent="-458610" algn="l" defTabSz="914400" rtl="0" latinLnBrk="0">
         <a:lnSpc>
           <a:spcPct val="100000"/>
         </a:lnSpc>
@@ -8316,8 +8339,8 @@
         </p:nvSpPr>
         <p:spPr>
           <a:xfrm>
-            <a:off x="311699" y="213767"/>
-            <a:ext cx="8520602" cy="572702"/>
+            <a:off x="311699" y="213766"/>
+            <a:ext cx="8520602" cy="572703"/>
           </a:xfrm>
           <a:prstGeom prst="rect">
             <a:avLst/>
@@ -8326,8 +8349,8 @@
         <p:txBody>
           <a:bodyPr/>
           <a:lstStyle>
-            <a:lvl1pPr algn="ctr" defTabSz="877823">
-              <a:defRPr b="1" sz="2592">
+            <a:lvl1pPr algn="ctr" defTabSz="877822">
+              <a:defRPr b="1" sz="2500">
                 <a:solidFill>
                   <a:schemeClr val="accent3"/>
                 </a:solidFill>
@@ -8587,8 +8610,8 @@
         </p:nvSpPr>
         <p:spPr>
           <a:xfrm>
-            <a:off x="311699" y="213767"/>
-            <a:ext cx="8520602" cy="572702"/>
+            <a:off x="311699" y="213766"/>
+            <a:ext cx="8520602" cy="572703"/>
           </a:xfrm>
           <a:prstGeom prst="rect">
             <a:avLst/>
@@ -8597,8 +8620,8 @@
         <p:txBody>
           <a:bodyPr/>
           <a:lstStyle>
-            <a:lvl1pPr algn="ctr" defTabSz="877823">
-              <a:defRPr b="1" sz="2592">
+            <a:lvl1pPr algn="ctr" defTabSz="877822">
+              <a:defRPr b="1" sz="2500">
                 <a:solidFill>
                   <a:schemeClr val="accent3"/>
                 </a:solidFill>
@@ -8623,8 +8646,8 @@
         </p:nvSpPr>
         <p:spPr>
           <a:xfrm>
-            <a:off x="411999" y="786474"/>
-            <a:ext cx="8238002" cy="3820202"/>
+            <a:off x="411999" y="786473"/>
+            <a:ext cx="8238002" cy="3820204"/>
           </a:xfrm>
           <a:prstGeom prst="rect">
             <a:avLst/>
@@ -8822,8 +8845,8 @@
         </p:nvSpPr>
         <p:spPr>
           <a:xfrm>
-            <a:off x="311699" y="213767"/>
-            <a:ext cx="8520602" cy="572702"/>
+            <a:off x="311699" y="213766"/>
+            <a:ext cx="8520602" cy="572703"/>
           </a:xfrm>
           <a:prstGeom prst="rect">
             <a:avLst/>
@@ -8832,8 +8855,8 @@
         <p:txBody>
           <a:bodyPr/>
           <a:lstStyle>
-            <a:lvl1pPr algn="ctr" defTabSz="877823">
-              <a:defRPr b="1" sz="2592">
+            <a:lvl1pPr algn="ctr" defTabSz="877822">
+              <a:defRPr b="1" sz="2500">
                 <a:solidFill>
                   <a:schemeClr val="accent3"/>
                 </a:solidFill>
@@ -8858,8 +8881,8 @@
         </p:nvSpPr>
         <p:spPr>
           <a:xfrm>
-            <a:off x="411999" y="786474"/>
-            <a:ext cx="8238002" cy="3820202"/>
+            <a:off x="411999" y="786473"/>
+            <a:ext cx="8238002" cy="3820204"/>
           </a:xfrm>
           <a:prstGeom prst="rect">
             <a:avLst/>
@@ -9065,8 +9088,8 @@
         </p:nvSpPr>
         <p:spPr>
           <a:xfrm>
-            <a:off x="311699" y="213767"/>
-            <a:ext cx="8520602" cy="572702"/>
+            <a:off x="311699" y="213766"/>
+            <a:ext cx="8520602" cy="572703"/>
           </a:xfrm>
           <a:prstGeom prst="rect">
             <a:avLst/>
@@ -9075,8 +9098,8 @@
         <p:txBody>
           <a:bodyPr/>
           <a:lstStyle>
-            <a:lvl1pPr algn="ctr" defTabSz="877823">
-              <a:defRPr b="1" sz="2592">
+            <a:lvl1pPr algn="ctr" defTabSz="877822">
+              <a:defRPr b="1" sz="2500">
                 <a:solidFill>
                   <a:schemeClr val="accent3"/>
                 </a:solidFill>
@@ -9101,8 +9124,8 @@
         </p:nvSpPr>
         <p:spPr>
           <a:xfrm>
-            <a:off x="411999" y="786474"/>
-            <a:ext cx="8238002" cy="3820202"/>
+            <a:off x="411999" y="786473"/>
+            <a:ext cx="8238002" cy="3820204"/>
           </a:xfrm>
           <a:prstGeom prst="rect">
             <a:avLst/>
@@ -9281,8 +9304,8 @@
         </p:nvSpPr>
         <p:spPr>
           <a:xfrm>
-            <a:off x="311699" y="213767"/>
-            <a:ext cx="8520602" cy="572702"/>
+            <a:off x="311699" y="213766"/>
+            <a:ext cx="8520602" cy="572703"/>
           </a:xfrm>
           <a:prstGeom prst="rect">
             <a:avLst/>
@@ -9291,8 +9314,8 @@
         <p:txBody>
           <a:bodyPr/>
           <a:lstStyle>
-            <a:lvl1pPr algn="ctr" defTabSz="877823">
-              <a:defRPr b="1" sz="2592">
+            <a:lvl1pPr algn="ctr" defTabSz="877822">
+              <a:defRPr b="1" sz="2500">
                 <a:solidFill>
                   <a:schemeClr val="accent3"/>
                 </a:solidFill>
@@ -9318,7 +9341,7 @@
         <p:spPr>
           <a:xfrm>
             <a:off x="411999" y="748149"/>
-            <a:ext cx="8238002" cy="3720002"/>
+            <a:ext cx="8238002" cy="3720003"/>
           </a:xfrm>
           <a:prstGeom prst="rect">
             <a:avLst/>
@@ -9571,8 +9594,8 @@
         </p:nvSpPr>
         <p:spPr>
           <a:xfrm>
-            <a:off x="311699" y="213767"/>
-            <a:ext cx="8520602" cy="572702"/>
+            <a:off x="311699" y="213766"/>
+            <a:ext cx="8520602" cy="572703"/>
           </a:xfrm>
           <a:prstGeom prst="rect">
             <a:avLst/>
@@ -9581,8 +9604,8 @@
         <p:txBody>
           <a:bodyPr/>
           <a:lstStyle>
-            <a:lvl1pPr algn="ctr" defTabSz="877823">
-              <a:defRPr b="1" sz="2592">
+            <a:lvl1pPr algn="ctr" defTabSz="877822">
+              <a:defRPr b="1" sz="2500">
                 <a:solidFill>
                   <a:schemeClr val="accent3"/>
                 </a:solidFill>
@@ -9608,7 +9631,7 @@
         <p:spPr>
           <a:xfrm>
             <a:off x="387899" y="4357025"/>
-            <a:ext cx="8238002" cy="394801"/>
+            <a:ext cx="8238002" cy="394802"/>
           </a:xfrm>
           <a:prstGeom prst="rect">
             <a:avLst/>
@@ -9656,8 +9679,8 @@
         </p:blipFill>
         <p:spPr>
           <a:xfrm>
-            <a:off x="522275" y="981038"/>
-            <a:ext cx="8237999" cy="3181414"/>
+            <a:off x="522275" y="981037"/>
+            <a:ext cx="8237999" cy="3181415"/>
           </a:xfrm>
           <a:prstGeom prst="rect">
             <a:avLst/>
@@ -9732,8 +9755,8 @@
         </p:nvSpPr>
         <p:spPr>
           <a:xfrm>
-            <a:off x="311699" y="213767"/>
-            <a:ext cx="8520602" cy="572702"/>
+            <a:off x="311699" y="213766"/>
+            <a:ext cx="8520602" cy="572703"/>
           </a:xfrm>
           <a:prstGeom prst="rect">
             <a:avLst/>
@@ -9742,8 +9765,8 @@
         <p:txBody>
           <a:bodyPr/>
           <a:lstStyle>
-            <a:lvl1pPr algn="ctr" defTabSz="877823">
-              <a:defRPr b="1" sz="2592">
+            <a:lvl1pPr algn="ctr" defTabSz="877822">
+              <a:defRPr b="1" sz="2500">
                 <a:solidFill>
                   <a:schemeClr val="accent3"/>
                 </a:solidFill>
@@ -9981,8 +10004,8 @@
         </p:nvSpPr>
         <p:spPr>
           <a:xfrm>
-            <a:off x="311699" y="213767"/>
-            <a:ext cx="8520602" cy="572702"/>
+            <a:off x="311699" y="213766"/>
+            <a:ext cx="8520602" cy="572703"/>
           </a:xfrm>
           <a:prstGeom prst="rect">
             <a:avLst/>
@@ -9991,8 +10014,8 @@
         <p:txBody>
           <a:bodyPr/>
           <a:lstStyle>
-            <a:lvl1pPr algn="ctr" defTabSz="877823">
-              <a:defRPr b="1" sz="2592">
+            <a:lvl1pPr algn="ctr" defTabSz="877822">
+              <a:defRPr b="1" sz="2500">
                 <a:solidFill>
                   <a:schemeClr val="accent3"/>
                 </a:solidFill>
@@ -10278,8 +10301,8 @@
         </p:nvSpPr>
         <p:spPr>
           <a:xfrm>
-            <a:off x="311699" y="213767"/>
-            <a:ext cx="8520602" cy="572702"/>
+            <a:off x="311699" y="213766"/>
+            <a:ext cx="8520602" cy="572703"/>
           </a:xfrm>
           <a:prstGeom prst="rect">
             <a:avLst/>
@@ -10288,8 +10311,8 @@
         <p:txBody>
           <a:bodyPr/>
           <a:lstStyle>
-            <a:lvl1pPr algn="ctr" defTabSz="877823">
-              <a:defRPr b="1" sz="2592">
+            <a:lvl1pPr algn="ctr" defTabSz="877822">
+              <a:defRPr b="1" sz="2500">
                 <a:solidFill>
                   <a:schemeClr val="accent3"/>
                 </a:solidFill>
@@ -10515,8 +10538,8 @@
         </p:nvSpPr>
         <p:spPr>
           <a:xfrm>
-            <a:off x="311699" y="213767"/>
-            <a:ext cx="8520602" cy="572702"/>
+            <a:off x="311699" y="213766"/>
+            <a:ext cx="8520602" cy="572703"/>
           </a:xfrm>
           <a:prstGeom prst="rect">
             <a:avLst/>
@@ -10525,8 +10548,8 @@
         <p:txBody>
           <a:bodyPr/>
           <a:lstStyle>
-            <a:lvl1pPr algn="ctr" defTabSz="877823">
-              <a:defRPr b="1" sz="2592">
+            <a:lvl1pPr algn="ctr" defTabSz="877822">
+              <a:defRPr b="1" sz="2500">
                 <a:solidFill>
                   <a:schemeClr val="accent3"/>
                 </a:solidFill>
@@ -10761,7 +10784,7 @@
         <p:spPr>
           <a:xfrm>
             <a:off x="727650" y="620400"/>
-            <a:ext cx="7688699" cy="535201"/>
+            <a:ext cx="7688699" cy="535202"/>
           </a:xfrm>
           <a:prstGeom prst="rect">
             <a:avLst/>
@@ -10771,7 +10794,7 @@
           <a:bodyPr/>
           <a:lstStyle>
             <a:lvl1pPr algn="ctr" defTabSz="676655">
-              <a:defRPr b="1" sz="2368">
+              <a:defRPr b="1" sz="2300">
                 <a:solidFill>
                   <a:schemeClr val="accent3"/>
                 </a:solidFill>
@@ -10797,7 +10820,7 @@
         <p:spPr>
           <a:xfrm>
             <a:off x="727649" y="1434525"/>
-            <a:ext cx="8035202" cy="3000601"/>
+            <a:ext cx="8035202" cy="3000602"/>
           </a:xfrm>
           <a:prstGeom prst="rect">
             <a:avLst/>
@@ -10896,8 +10919,8 @@
         </p:nvSpPr>
         <p:spPr>
           <a:xfrm>
-            <a:off x="311699" y="213767"/>
-            <a:ext cx="8520602" cy="572702"/>
+            <a:off x="311699" y="213766"/>
+            <a:ext cx="8520602" cy="572703"/>
           </a:xfrm>
           <a:prstGeom prst="rect">
             <a:avLst/>
@@ -10906,8 +10929,8 @@
         <p:txBody>
           <a:bodyPr/>
           <a:lstStyle>
-            <a:lvl1pPr algn="ctr" defTabSz="877823">
-              <a:defRPr b="1" sz="2592">
+            <a:lvl1pPr algn="ctr" defTabSz="877822">
+              <a:defRPr b="1" sz="2500">
                 <a:solidFill>
                   <a:schemeClr val="accent3"/>
                 </a:solidFill>
@@ -10933,7 +10956,7 @@
         <p:spPr>
           <a:xfrm>
             <a:off x="411999" y="748149"/>
-            <a:ext cx="8238002" cy="4202702"/>
+            <a:ext cx="8238002" cy="4202703"/>
           </a:xfrm>
           <a:prstGeom prst="rect">
             <a:avLst/>
@@ -11131,8 +11154,8 @@
         </p:nvSpPr>
         <p:spPr>
           <a:xfrm>
-            <a:off x="311699" y="213767"/>
-            <a:ext cx="8520602" cy="572702"/>
+            <a:off x="311699" y="213766"/>
+            <a:ext cx="8520602" cy="572703"/>
           </a:xfrm>
           <a:prstGeom prst="rect">
             <a:avLst/>
@@ -11141,8 +11164,8 @@
         <p:txBody>
           <a:bodyPr/>
           <a:lstStyle>
-            <a:lvl1pPr algn="ctr" defTabSz="877823">
-              <a:defRPr b="1" sz="2592">
+            <a:lvl1pPr algn="ctr" defTabSz="877822">
+              <a:defRPr b="1" sz="2500">
                 <a:solidFill>
                   <a:schemeClr val="accent3"/>
                 </a:solidFill>
@@ -11168,7 +11191,7 @@
         <p:spPr>
           <a:xfrm>
             <a:off x="411999" y="748149"/>
-            <a:ext cx="8238002" cy="4202702"/>
+            <a:ext cx="8238002" cy="4202703"/>
           </a:xfrm>
           <a:prstGeom prst="rect">
             <a:avLst/>
@@ -11352,8 +11375,8 @@
         </p:nvSpPr>
         <p:spPr>
           <a:xfrm>
-            <a:off x="311699" y="213767"/>
-            <a:ext cx="8520602" cy="572702"/>
+            <a:off x="311699" y="213766"/>
+            <a:ext cx="8520602" cy="572703"/>
           </a:xfrm>
           <a:prstGeom prst="rect">
             <a:avLst/>
@@ -11362,8 +11385,8 @@
         <p:txBody>
           <a:bodyPr/>
           <a:lstStyle>
-            <a:lvl1pPr algn="ctr" defTabSz="877823">
-              <a:defRPr b="1" sz="2592">
+            <a:lvl1pPr algn="ctr" defTabSz="877822">
+              <a:defRPr b="1" sz="2500">
                 <a:solidFill>
                   <a:schemeClr val="accent3"/>
                 </a:solidFill>
@@ -11388,8 +11411,8 @@
         </p:nvSpPr>
         <p:spPr>
           <a:xfrm>
-            <a:off x="411999" y="786475"/>
-            <a:ext cx="8238002" cy="4222501"/>
+            <a:off x="411999" y="786474"/>
+            <a:ext cx="8238002" cy="4222503"/>
           </a:xfrm>
           <a:prstGeom prst="rect">
             <a:avLst/>
@@ -11557,8 +11580,8 @@
         </p:nvSpPr>
         <p:spPr>
           <a:xfrm>
-            <a:off x="311699" y="213767"/>
-            <a:ext cx="8520602" cy="572702"/>
+            <a:off x="311699" y="213766"/>
+            <a:ext cx="8520602" cy="572703"/>
           </a:xfrm>
           <a:prstGeom prst="rect">
             <a:avLst/>
@@ -11567,8 +11590,8 @@
         <p:txBody>
           <a:bodyPr/>
           <a:lstStyle>
-            <a:lvl1pPr algn="ctr" defTabSz="877823">
-              <a:defRPr b="1" sz="2592">
+            <a:lvl1pPr algn="ctr" defTabSz="877822">
+              <a:defRPr b="1" sz="2500">
                 <a:solidFill>
                   <a:schemeClr val="accent3"/>
                 </a:solidFill>
@@ -11593,8 +11616,8 @@
         </p:nvSpPr>
         <p:spPr>
           <a:xfrm>
-            <a:off x="411999" y="786475"/>
-            <a:ext cx="8238002" cy="4222501"/>
+            <a:off x="411999" y="786474"/>
+            <a:ext cx="8238002" cy="4222503"/>
           </a:xfrm>
           <a:prstGeom prst="rect">
             <a:avLst/>
@@ -11810,8 +11833,8 @@
         </p:nvSpPr>
         <p:spPr>
           <a:xfrm>
-            <a:off x="311699" y="213767"/>
-            <a:ext cx="8520602" cy="572702"/>
+            <a:off x="311699" y="213766"/>
+            <a:ext cx="8520602" cy="572703"/>
           </a:xfrm>
           <a:prstGeom prst="rect">
             <a:avLst/>
@@ -11820,8 +11843,8 @@
         <p:txBody>
           <a:bodyPr/>
           <a:lstStyle>
-            <a:lvl1pPr algn="ctr" defTabSz="877823">
-              <a:defRPr b="1" sz="2592">
+            <a:lvl1pPr algn="ctr" defTabSz="877822">
+              <a:defRPr b="1" sz="2500">
                 <a:solidFill>
                   <a:schemeClr val="accent3"/>
                 </a:solidFill>
@@ -11846,8 +11869,8 @@
         </p:nvSpPr>
         <p:spPr>
           <a:xfrm>
-            <a:off x="411999" y="786474"/>
-            <a:ext cx="8238002" cy="3820202"/>
+            <a:off x="411999" y="786473"/>
+            <a:ext cx="8238002" cy="3820204"/>
           </a:xfrm>
           <a:prstGeom prst="rect">
             <a:avLst/>
@@ -12048,8 +12071,8 @@
         </p:nvSpPr>
         <p:spPr>
           <a:xfrm>
-            <a:off x="311699" y="213767"/>
-            <a:ext cx="8520602" cy="572702"/>
+            <a:off x="311699" y="213766"/>
+            <a:ext cx="8520602" cy="572703"/>
           </a:xfrm>
           <a:prstGeom prst="rect">
             <a:avLst/>
@@ -12058,8 +12081,8 @@
         <p:txBody>
           <a:bodyPr/>
           <a:lstStyle>
-            <a:lvl1pPr algn="ctr" defTabSz="877823">
-              <a:defRPr b="1" sz="2592">
+            <a:lvl1pPr algn="ctr" defTabSz="877822">
+              <a:defRPr b="1" sz="2500">
                 <a:solidFill>
                   <a:schemeClr val="accent3"/>
                 </a:solidFill>
@@ -12112,7 +12135,7 @@
         <p:spPr>
           <a:xfrm>
             <a:off x="1429700" y="4450774"/>
-            <a:ext cx="5927700" cy="386051"/>
+            <a:ext cx="5927700" cy="386049"/>
           </a:xfrm>
           <a:prstGeom prst="rect">
             <a:avLst/>
@@ -12127,7 +12150,7 @@
           </a:extLst>
         </p:spPr>
         <p:txBody>
-          <a:bodyPr lIns="91424" tIns="91424" rIns="91424" bIns="91424">
+          <a:bodyPr lIns="91423" tIns="91423" rIns="91423" bIns="91423">
             <a:spAutoFit/>
           </a:bodyPr>
           <a:lstStyle>
@@ -12216,8 +12239,8 @@
         </p:nvSpPr>
         <p:spPr>
           <a:xfrm>
-            <a:off x="311699" y="213767"/>
-            <a:ext cx="8520602" cy="572702"/>
+            <a:off x="311699" y="213766"/>
+            <a:ext cx="8520602" cy="572703"/>
           </a:xfrm>
           <a:prstGeom prst="rect">
             <a:avLst/>
@@ -12226,8 +12249,8 @@
         <p:txBody>
           <a:bodyPr/>
           <a:lstStyle>
-            <a:lvl1pPr algn="ctr" defTabSz="877823">
-              <a:defRPr b="1" sz="2592">
+            <a:lvl1pPr algn="ctr" defTabSz="877822">
+              <a:defRPr b="1" sz="2500">
                 <a:solidFill>
                   <a:schemeClr val="accent3"/>
                 </a:solidFill>
@@ -12252,8 +12275,8 @@
         </p:nvSpPr>
         <p:spPr>
           <a:xfrm>
-            <a:off x="411999" y="786474"/>
-            <a:ext cx="8238002" cy="3820202"/>
+            <a:off x="411999" y="786473"/>
+            <a:ext cx="8238002" cy="3820204"/>
           </a:xfrm>
           <a:prstGeom prst="rect">
             <a:avLst/>
@@ -12560,13 +12583,7 @@
           <a:effectLst/>
         </a:effectStyle>
         <a:effectStyle>
-          <a:effectLst>
-            <a:outerShdw sx="100000" sy="100000" kx="0" ky="0" algn="b" rotWithShape="0" blurRad="38100" dist="20000" dir="5400000">
-              <a:srgbClr val="000000">
-                <a:alpha val="38000"/>
-              </a:srgbClr>
-            </a:outerShdw>
-          </a:effectLst>
+          <a:effectLst/>
         </a:effectStyle>
       </a:effectStyleLst>
       <a:bgFillStyleLst>
@@ -12665,10 +12682,10 @@
             </a:solidFill>
             <a:effectLst/>
             <a:uFillTx/>
-            <a:latin typeface="+mj-lt"/>
-            <a:ea typeface="+mj-ea"/>
-            <a:cs typeface="+mj-cs"/>
-            <a:sym typeface="Arial"/>
+            <a:latin typeface="+mn-lt"/>
+            <a:ea typeface="+mn-ea"/>
+            <a:cs typeface="+mn-cs"/>
+            <a:sym typeface="Helvetica"/>
           </a:defRPr>
         </a:defPPr>
         <a:lvl1pPr marL="0" marR="0" indent="0" algn="l" defTabSz="914400" rtl="0" fontAlgn="auto" latinLnBrk="1" hangingPunct="0">
@@ -12923,13 +12940,7 @@
           <a:prstDash val="solid"/>
           <a:round/>
         </a:ln>
-        <a:effectLst>
-          <a:outerShdw sx="100000" sy="100000" kx="0" ky="0" algn="b" rotWithShape="0" blurRad="38100" dist="20000" dir="5400000">
-            <a:srgbClr val="000000">
-              <a:alpha val="38000"/>
-            </a:srgbClr>
-          </a:outerShdw>
-        </a:effectLst>
+        <a:effectLst/>
         <a:sp3d/>
       </a:spPr>
       <a:bodyPr rot="0" spcFirstLastPara="1" vertOverflow="overflow" horzOverflow="overflow" vert="horz" wrap="square" lIns="91439" tIns="45719" rIns="91439" bIns="45719" numCol="1" spcCol="38100" rtlCol="0" anchor="t" upright="0">
@@ -13242,10 +13253,10 @@
             </a:solidFill>
             <a:effectLst/>
             <a:uFillTx/>
-            <a:latin typeface="+mj-lt"/>
-            <a:ea typeface="+mj-ea"/>
-            <a:cs typeface="+mj-cs"/>
-            <a:sym typeface="Arial"/>
+            <a:latin typeface="+mn-lt"/>
+            <a:ea typeface="+mn-ea"/>
+            <a:cs typeface="+mn-cs"/>
+            <a:sym typeface="Helvetica"/>
           </a:defRPr>
         </a:defPPr>
         <a:lvl1pPr marL="0" marR="0" indent="0" algn="l" defTabSz="914400" rtl="0" fontAlgn="auto" latinLnBrk="1" hangingPunct="0">
@@ -13626,13 +13637,7 @@
           <a:effectLst/>
         </a:effectStyle>
         <a:effectStyle>
-          <a:effectLst>
-            <a:outerShdw sx="100000" sy="100000" kx="0" ky="0" algn="b" rotWithShape="0" blurRad="38100" dist="20000" dir="5400000">
-              <a:srgbClr val="000000">
-                <a:alpha val="38000"/>
-              </a:srgbClr>
-            </a:outerShdw>
-          </a:effectLst>
+          <a:effectLst/>
         </a:effectStyle>
       </a:effectStyleLst>
       <a:bgFillStyleLst>
@@ -13731,10 +13736,10 @@
             </a:solidFill>
             <a:effectLst/>
             <a:uFillTx/>
-            <a:latin typeface="+mj-lt"/>
-            <a:ea typeface="+mj-ea"/>
-            <a:cs typeface="+mj-cs"/>
-            <a:sym typeface="Arial"/>
+            <a:latin typeface="+mn-lt"/>
+            <a:ea typeface="+mn-ea"/>
+            <a:cs typeface="+mn-cs"/>
+            <a:sym typeface="Helvetica"/>
           </a:defRPr>
         </a:defPPr>
         <a:lvl1pPr marL="0" marR="0" indent="0" algn="l" defTabSz="914400" rtl="0" fontAlgn="auto" latinLnBrk="1" hangingPunct="0">
@@ -13989,13 +13994,7 @@
           <a:prstDash val="solid"/>
           <a:round/>
         </a:ln>
-        <a:effectLst>
-          <a:outerShdw sx="100000" sy="100000" kx="0" ky="0" algn="b" rotWithShape="0" blurRad="38100" dist="20000" dir="5400000">
-            <a:srgbClr val="000000">
-              <a:alpha val="38000"/>
-            </a:srgbClr>
-          </a:outerShdw>
-        </a:effectLst>
+        <a:effectLst/>
         <a:sp3d/>
       </a:spPr>
       <a:bodyPr rot="0" spcFirstLastPara="1" vertOverflow="overflow" horzOverflow="overflow" vert="horz" wrap="square" lIns="91439" tIns="45719" rIns="91439" bIns="45719" numCol="1" spcCol="38100" rtlCol="0" anchor="t" upright="0">
@@ -14308,10 +14307,10 @@
             </a:solidFill>
             <a:effectLst/>
             <a:uFillTx/>
-            <a:latin typeface="+mj-lt"/>
-            <a:ea typeface="+mj-ea"/>
-            <a:cs typeface="+mj-cs"/>
-            <a:sym typeface="Arial"/>
+            <a:latin typeface="+mn-lt"/>
+            <a:ea typeface="+mn-ea"/>
+            <a:cs typeface="+mn-cs"/>
+            <a:sym typeface="Helvetica"/>
           </a:defRPr>
         </a:defPPr>
         <a:lvl1pPr marL="0" marR="0" indent="0" algn="l" defTabSz="914400" rtl="0" fontAlgn="auto" latinLnBrk="1" hangingPunct="0">
